--- a/sys-doc/Technical Report/Abschlusspräsentation.pptx
+++ b/sys-doc/Technical Report/Abschlusspräsentation.pptx
@@ -5,18 +5,23 @@
     <p:sldMasterId id="2147483729" r:id="rId1"/>
   </p:sldMasterIdLst>
   <p:notesMasterIdLst>
-    <p:notesMasterId r:id="rId8"/>
+    <p:notesMasterId r:id="rId13"/>
   </p:notesMasterIdLst>
   <p:handoutMasterIdLst>
-    <p:handoutMasterId r:id="rId9"/>
+    <p:handoutMasterId r:id="rId14"/>
   </p:handoutMasterIdLst>
   <p:sldIdLst>
     <p:sldId id="256" r:id="rId2"/>
     <p:sldId id="257" r:id="rId3"/>
     <p:sldId id="258" r:id="rId4"/>
     <p:sldId id="259" r:id="rId5"/>
-    <p:sldId id="260" r:id="rId6"/>
+    <p:sldId id="262" r:id="rId6"/>
     <p:sldId id="261" r:id="rId7"/>
+    <p:sldId id="266" r:id="rId8"/>
+    <p:sldId id="265" r:id="rId9"/>
+    <p:sldId id="263" r:id="rId10"/>
+    <p:sldId id="260" r:id="rId11"/>
+    <p:sldId id="264" r:id="rId12"/>
   </p:sldIdLst>
   <p:sldSz cx="9144000" cy="6858000" type="screen4x3"/>
   <p:notesSz cx="7104063" cy="10234613"/>
@@ -1099,204 +1104,6 @@
             </a:prstTxWarp>
           </a:bodyPr>
           <a:lstStyle/>
-          <a:p>
-            <a:pPr marL="0" marR="0" lvl="0" indent="0" algn="l" defTabSz="914400" rtl="0" eaLnBrk="1" fontAlgn="base" latinLnBrk="0" hangingPunct="1">
-              <a:lnSpc>
-                <a:spcPct val="100000"/>
-              </a:lnSpc>
-              <a:spcBef>
-                <a:spcPct val="0"/>
-              </a:spcBef>
-              <a:spcAft>
-                <a:spcPct val="0"/>
-              </a:spcAft>
-              <a:buClrTx/>
-              <a:buSzTx/>
-              <a:buFontTx/>
-              <a:buNone/>
-              <a:tabLst/>
-              <a:defRPr/>
-            </a:pPr>
-            <a:r>
-              <a:rPr lang="en-DE" dirty="0"/>
-              <a:t>(5) </a:t>
-            </a:r>
-            <a:r>
-              <a:rPr lang="en-DE" dirty="0" err="1"/>
-              <a:t>begrenze</a:t>
-            </a:r>
-            <a:r>
-              <a:rPr lang="en-DE" dirty="0"/>
-              <a:t> </a:t>
-            </a:r>
-            <a:r>
-              <a:rPr lang="en-DE" dirty="0" err="1"/>
-              <a:t>imdb</a:t>
-            </a:r>
-            <a:r>
-              <a:rPr lang="en-DE" dirty="0"/>
-              <a:t> </a:t>
-            </a:r>
-            <a:r>
-              <a:rPr lang="en-DE" dirty="0" err="1"/>
-              <a:t>anbindung</a:t>
-            </a:r>
-            <a:r>
-              <a:rPr lang="en-DE" dirty="0"/>
-              <a:t> -&gt; </a:t>
-            </a:r>
-            <a:r>
-              <a:rPr lang="en-DE" dirty="0" err="1"/>
-              <a:t>folgepunkt</a:t>
-            </a:r>
-            <a:r>
-              <a:rPr lang="en-DE" dirty="0"/>
-              <a:t> </a:t>
-            </a:r>
-            <a:r>
-              <a:rPr lang="en-DE" dirty="0" err="1"/>
-              <a:t>zu</a:t>
-            </a:r>
-            <a:r>
-              <a:rPr lang="en-DE" dirty="0"/>
-              <a:t> (2)</a:t>
-            </a:r>
-          </a:p>
-          <a:p>
-            <a:pPr marL="0" marR="0" lvl="0" indent="0" algn="l" defTabSz="914400" rtl="0" eaLnBrk="1" fontAlgn="base" latinLnBrk="0" hangingPunct="1">
-              <a:lnSpc>
-                <a:spcPct val="100000"/>
-              </a:lnSpc>
-              <a:spcBef>
-                <a:spcPct val="0"/>
-              </a:spcBef>
-              <a:spcAft>
-                <a:spcPct val="0"/>
-              </a:spcAft>
-              <a:buClrTx/>
-              <a:buSzTx/>
-              <a:buFontTx/>
-              <a:buNone/>
-              <a:tabLst/>
-              <a:defRPr/>
-            </a:pPr>
-            <a:r>
-              <a:rPr lang="en-DE" dirty="0"/>
-              <a:t>(6) </a:t>
-            </a:r>
-            <a:r>
-              <a:rPr lang="de-DE" dirty="0"/>
-              <a:t>T</a:t>
-            </a:r>
-            <a:r>
-              <a:rPr lang="en-DE" dirty="0" err="1"/>
-              <a:t>eilweiße</a:t>
-            </a:r>
-            <a:r>
-              <a:rPr lang="en-DE" dirty="0"/>
-              <a:t> </a:t>
-            </a:r>
-            <a:r>
-              <a:rPr lang="en-DE" dirty="0" err="1"/>
-              <a:t>umgesetzt</a:t>
-            </a:r>
-            <a:r>
-              <a:rPr lang="en-DE" dirty="0"/>
-              <a:t> / </a:t>
-            </a:r>
-            <a:r>
-              <a:rPr lang="en-DE" dirty="0" err="1"/>
-              <a:t>umsetzung</a:t>
-            </a:r>
-            <a:r>
-              <a:rPr lang="en-DE" dirty="0"/>
-              <a:t> </a:t>
-            </a:r>
-            <a:r>
-              <a:rPr lang="en-DE" dirty="0" err="1"/>
-              <a:t>wäre</a:t>
-            </a:r>
-            <a:r>
-              <a:rPr lang="en-DE" dirty="0"/>
-              <a:t> </a:t>
-            </a:r>
-            <a:r>
-              <a:rPr lang="en-DE" dirty="0" err="1"/>
-              <a:t>möglich</a:t>
-            </a:r>
-            <a:r>
-              <a:rPr lang="en-DE" dirty="0"/>
-              <a:t> </a:t>
-            </a:r>
-            <a:r>
-              <a:rPr lang="en-DE" dirty="0" err="1"/>
-              <a:t>gewesen</a:t>
-            </a:r>
-            <a:endParaRPr lang="en-DE" dirty="0"/>
-          </a:p>
-          <a:p>
-            <a:pPr marL="0" marR="0" lvl="0" indent="0" algn="l" defTabSz="914400" rtl="0" eaLnBrk="1" fontAlgn="base" latinLnBrk="0" hangingPunct="1">
-              <a:lnSpc>
-                <a:spcPct val="100000"/>
-              </a:lnSpc>
-              <a:spcBef>
-                <a:spcPct val="0"/>
-              </a:spcBef>
-              <a:spcAft>
-                <a:spcPct val="0"/>
-              </a:spcAft>
-              <a:buClrTx/>
-              <a:buSzTx/>
-              <a:buFontTx/>
-              <a:buNone/>
-              <a:tabLst/>
-              <a:defRPr/>
-            </a:pPr>
-            <a:r>
-              <a:rPr lang="en-DE" dirty="0"/>
-              <a:t>(7) </a:t>
-            </a:r>
-            <a:r>
-              <a:rPr lang="en-DE" dirty="0" err="1"/>
-              <a:t>begrenze</a:t>
-            </a:r>
-            <a:r>
-              <a:rPr lang="en-DE" dirty="0"/>
-              <a:t> </a:t>
-            </a:r>
-            <a:r>
-              <a:rPr lang="en-DE" dirty="0" err="1"/>
-              <a:t>imdb</a:t>
-            </a:r>
-            <a:r>
-              <a:rPr lang="en-DE" dirty="0"/>
-              <a:t> </a:t>
-            </a:r>
-            <a:r>
-              <a:rPr lang="en-DE" dirty="0" err="1"/>
-              <a:t>anbindung</a:t>
-            </a:r>
-            <a:r>
-              <a:rPr lang="en-DE" dirty="0"/>
-              <a:t> (</a:t>
-            </a:r>
-            <a:r>
-              <a:rPr lang="en-DE" dirty="0" err="1"/>
-              <a:t>anzahl</a:t>
-            </a:r>
-            <a:r>
-              <a:rPr lang="en-DE" dirty="0"/>
-              <a:t> der </a:t>
-            </a:r>
-            <a:r>
-              <a:rPr lang="en-DE" dirty="0" err="1"/>
-              <a:t>abfragen</a:t>
-            </a:r>
-            <a:r>
-              <a:rPr lang="en-DE" dirty="0"/>
-              <a:t>)</a:t>
-            </a:r>
-          </a:p>
           <a:p>
             <a:pPr eaLnBrk="1" hangingPunct="1">
               <a:spcBef>
@@ -4663,32 +4470,18 @@
           <a:bodyPr/>
           <a:lstStyle/>
           <a:p>
-            <a:endParaRPr lang="de-DE"/>
-          </a:p>
-        </p:txBody>
-      </p:sp>
-      <p:sp>
-        <p:nvSpPr>
-          <p:cNvPr id="4" name="Textplatzhalter 3">
-            <a:extLst>
-              <a:ext uri="{FF2B5EF4-FFF2-40B4-BE49-F238E27FC236}">
-                <a16:creationId xmlns:a16="http://schemas.microsoft.com/office/drawing/2014/main" id="{46D39A90-A052-4092-927A-8737DF1E255A}"/>
-              </a:ext>
-            </a:extLst>
-          </p:cNvPr>
-          <p:cNvSpPr>
-            <a:spLocks noGrp="1"/>
-          </p:cNvSpPr>
-          <p:nvPr>
-            <p:ph type="body" sz="quarter" idx="15"/>
-          </p:nvPr>
-        </p:nvSpPr>
-        <p:spPr/>
-        <p:txBody>
-          <a:bodyPr/>
-          <a:lstStyle/>
-          <a:p>
-            <a:endParaRPr lang="de-DE"/>
+            <a:r>
+              <a:rPr lang="de-DE" dirty="0"/>
+              <a:t>Hahn, Kleber, Klier, </a:t>
+            </a:r>
+            <a:r>
+              <a:rPr lang="de-DE" dirty="0" err="1"/>
+              <a:t>Kreussel</a:t>
+            </a:r>
+            <a:r>
+              <a:rPr lang="de-DE" dirty="0"/>
+              <a:t>, Paris, Ziegler</a:t>
+            </a:r>
           </a:p>
         </p:txBody>
       </p:sp>
@@ -4709,11 +4502,11 @@
           <a:p>
             <a:pPr defTabSz="912813" eaLnBrk="1" hangingPunct="1"/>
             <a:r>
-              <a:rPr lang="de-DE" b="0" i="0" dirty="0" err="1">
+              <a:rPr lang="de-DE" b="0" i="0" dirty="0">
                 <a:effectLst/>
                 <a:latin typeface="Arial" panose="020B0604020202020204" pitchFamily="34" charset="0"/>
               </a:rPr>
-              <a:t>Graphvio</a:t>
+              <a:t>Twitter-Dash</a:t>
             </a:r>
             <a:endParaRPr lang="de-DE" dirty="0"/>
           </a:p>
@@ -4740,34 +4533,9 @@
           <a:bodyPr/>
           <a:lstStyle/>
           <a:p>
-            <a:endParaRPr lang="de-DE"/>
-          </a:p>
-        </p:txBody>
-      </p:sp>
-      <p:sp>
-        <p:nvSpPr>
-          <p:cNvPr id="5" name="Datumsplatzhalter 4">
-            <a:extLst>
-              <a:ext uri="{FF2B5EF4-FFF2-40B4-BE49-F238E27FC236}">
-                <a16:creationId xmlns:a16="http://schemas.microsoft.com/office/drawing/2014/main" id="{311DA3D5-2AF8-423C-B5A3-64F16D0B9D39}"/>
-              </a:ext>
-            </a:extLst>
-          </p:cNvPr>
-          <p:cNvSpPr>
-            <a:spLocks noGrp="1"/>
-          </p:cNvSpPr>
-          <p:nvPr>
-            <p:ph type="dt" sz="half" idx="2"/>
-          </p:nvPr>
-        </p:nvSpPr>
-        <p:spPr/>
-        <p:txBody>
-          <a:bodyPr/>
-          <a:lstStyle/>
-          <a:p>
-            <a:r>
-              <a:rPr lang="en-DE" dirty="0"/>
-              <a:t>17.01.2022</a:t>
+            <a:r>
+              <a:rPr lang="en-US" dirty="0"/>
+              <a:t>05.07.2022</a:t>
             </a:r>
             <a:endParaRPr lang="en-GB" dirty="0">
               <a:solidFill>
@@ -4779,6 +4547,39 @@
       </p:sp>
       <p:sp>
         <p:nvSpPr>
+          <p:cNvPr id="5" name="Datumsplatzhalter 4">
+            <a:extLst>
+              <a:ext uri="{FF2B5EF4-FFF2-40B4-BE49-F238E27FC236}">
+                <a16:creationId xmlns:a16="http://schemas.microsoft.com/office/drawing/2014/main" id="{311DA3D5-2AF8-423C-B5A3-64F16D0B9D39}"/>
+              </a:ext>
+            </a:extLst>
+          </p:cNvPr>
+          <p:cNvSpPr>
+            <a:spLocks noGrp="1"/>
+          </p:cNvSpPr>
+          <p:nvPr>
+            <p:ph type="dt" sz="half" idx="2"/>
+          </p:nvPr>
+        </p:nvSpPr>
+        <p:spPr/>
+        <p:txBody>
+          <a:bodyPr/>
+          <a:lstStyle/>
+          <a:p>
+            <a:r>
+              <a:rPr lang="en-US" dirty="0"/>
+              <a:t>05.07.2022</a:t>
+            </a:r>
+            <a:endParaRPr lang="en-GB" dirty="0">
+              <a:solidFill>
+                <a:schemeClr val="bg1"/>
+              </a:solidFill>
+            </a:endParaRPr>
+          </a:p>
+        </p:txBody>
+      </p:sp>
+      <p:sp>
+        <p:nvSpPr>
           <p:cNvPr id="6" name="Fußzeilenplatzhalter 5">
             <a:extLst>
               <a:ext uri="{FF2B5EF4-FFF2-40B4-BE49-F238E27FC236}">
@@ -4799,11 +4600,11 @@
           <a:lstStyle/>
           <a:p>
             <a:r>
-              <a:rPr lang="de-DE" b="0" i="0" dirty="0" err="1">
+              <a:rPr lang="de-DE" b="0" i="0" dirty="0">
                 <a:effectLst/>
                 <a:latin typeface="Arial" panose="020B0604020202020204" pitchFamily="34" charset="0"/>
               </a:rPr>
-              <a:t>Graphvio</a:t>
+              <a:t>Twitter-Dash</a:t>
             </a:r>
             <a:endParaRPr lang="de-DE" dirty="0">
               <a:solidFill>
@@ -4996,18 +4797,857 @@
           </a:lstStyle>
           <a:p>
             <a:r>
+              <a:rPr lang="de-DE" dirty="0"/>
+              <a:t>Hahn, Kleber, Klier, </a:t>
+            </a:r>
+            <a:r>
+              <a:rPr lang="de-DE" dirty="0" err="1"/>
+              <a:t>Kreussel</a:t>
+            </a:r>
+            <a:r>
+              <a:rPr lang="de-DE" dirty="0"/>
+              <a:t>, Paris, Ziegler</a:t>
+            </a:r>
+          </a:p>
+        </p:txBody>
+      </p:sp>
+    </p:spTree>
+  </p:cSld>
+  <p:clrMapOvr>
+    <a:masterClrMapping/>
+  </p:clrMapOvr>
+</p:sld>
+</file>
+
+<file path=ppt/slides/slide10.xml><?xml version="1.0" encoding="utf-8"?>
+<p:sld xmlns:a="http://schemas.openxmlformats.org/drawingml/2006/main" xmlns:r="http://schemas.openxmlformats.org/officeDocument/2006/relationships" xmlns:p="http://schemas.openxmlformats.org/presentationml/2006/main">
+  <p:cSld>
+    <p:spTree>
+      <p:nvGrpSpPr>
+        <p:cNvPr id="1" name=""/>
+        <p:cNvGrpSpPr/>
+        <p:nvPr/>
+      </p:nvGrpSpPr>
+      <p:grpSpPr>
+        <a:xfrm>
+          <a:off x="0" y="0"/>
+          <a:ext cx="0" cy="0"/>
+          <a:chOff x="0" y="0"/>
+          <a:chExt cx="0" cy="0"/>
+        </a:xfrm>
+      </p:grpSpPr>
+      <p:sp>
+        <p:nvSpPr>
+          <p:cNvPr id="2" name="Titel 1">
+            <a:extLst>
+              <a:ext uri="{FF2B5EF4-FFF2-40B4-BE49-F238E27FC236}">
+                <a16:creationId xmlns:a16="http://schemas.microsoft.com/office/drawing/2014/main" id="{74D8A47A-1A55-44CE-A2AD-17EC386BDEBE}"/>
+              </a:ext>
+            </a:extLst>
+          </p:cNvPr>
+          <p:cNvSpPr>
+            <a:spLocks noGrp="1"/>
+          </p:cNvSpPr>
+          <p:nvPr>
+            <p:ph type="title"/>
+          </p:nvPr>
+        </p:nvSpPr>
+        <p:spPr/>
+        <p:txBody>
+          <a:bodyPr/>
+          <a:lstStyle/>
+          <a:p>
+            <a:r>
               <a:rPr lang="en-DE" dirty="0" err="1"/>
+              <a:t>Anwendung</a:t>
+            </a:r>
+            <a:endParaRPr lang="de-DE" dirty="0"/>
+          </a:p>
+        </p:txBody>
+      </p:sp>
+      <p:sp>
+        <p:nvSpPr>
+          <p:cNvPr id="3" name="Foliennummernplatzhalter 2">
+            <a:extLst>
+              <a:ext uri="{FF2B5EF4-FFF2-40B4-BE49-F238E27FC236}">
+                <a16:creationId xmlns:a16="http://schemas.microsoft.com/office/drawing/2014/main" id="{62975FD5-F5B5-4706-880B-DBBCA2F9C27A}"/>
+              </a:ext>
+            </a:extLst>
+          </p:cNvPr>
+          <p:cNvSpPr>
+            <a:spLocks noGrp="1"/>
+          </p:cNvSpPr>
+          <p:nvPr>
+            <p:ph type="sldNum" sz="quarter" idx="4"/>
+          </p:nvPr>
+        </p:nvSpPr>
+        <p:spPr/>
+        <p:txBody>
+          <a:bodyPr/>
+          <a:lstStyle/>
+          <a:p>
+            <a:pPr algn="l"/>
+            <a:fld id="{58B5944C-422B-400C-ACEC-079F06A0E4F8}" type="slidenum">
+              <a:rPr lang="de-DE" smtClean="0"/>
+              <a:pPr algn="l"/>
+              <a:t>10</a:t>
+            </a:fld>
+            <a:endParaRPr lang="de-DE" dirty="0"/>
+          </a:p>
+        </p:txBody>
+      </p:sp>
+      <p:sp>
+        <p:nvSpPr>
+          <p:cNvPr id="4" name="Fußzeilenplatzhalter 3">
+            <a:extLst>
+              <a:ext uri="{FF2B5EF4-FFF2-40B4-BE49-F238E27FC236}">
+                <a16:creationId xmlns:a16="http://schemas.microsoft.com/office/drawing/2014/main" id="{B5883D3D-9B7D-4A33-90D9-66601485239B}"/>
+              </a:ext>
+            </a:extLst>
+          </p:cNvPr>
+          <p:cNvSpPr>
+            <a:spLocks noGrp="1"/>
+          </p:cNvSpPr>
+          <p:nvPr>
+            <p:ph type="ftr" sz="quarter" idx="3"/>
+          </p:nvPr>
+        </p:nvSpPr>
+        <p:spPr/>
+        <p:txBody>
+          <a:bodyPr/>
+          <a:lstStyle/>
+          <a:p>
+            <a:r>
+              <a:rPr lang="de-DE" b="0" i="0" dirty="0">
+                <a:effectLst/>
+                <a:latin typeface="Arial" panose="020B0604020202020204" pitchFamily="34" charset="0"/>
+              </a:rPr>
+              <a:t>Twitter-Dash</a:t>
+            </a:r>
+            <a:endParaRPr lang="de-DE" dirty="0">
+              <a:solidFill>
+                <a:schemeClr val="bg1"/>
+              </a:solidFill>
+            </a:endParaRPr>
+          </a:p>
+        </p:txBody>
+      </p:sp>
+      <p:sp>
+        <p:nvSpPr>
+          <p:cNvPr id="5" name="Datumsplatzhalter 4">
+            <a:extLst>
+              <a:ext uri="{FF2B5EF4-FFF2-40B4-BE49-F238E27FC236}">
+                <a16:creationId xmlns:a16="http://schemas.microsoft.com/office/drawing/2014/main" id="{4547C540-2968-4C45-944A-192AAAE5A34C}"/>
+              </a:ext>
+            </a:extLst>
+          </p:cNvPr>
+          <p:cNvSpPr>
+            <a:spLocks noGrp="1"/>
+          </p:cNvSpPr>
+          <p:nvPr>
+            <p:ph type="dt" sz="half" idx="2"/>
+          </p:nvPr>
+        </p:nvSpPr>
+        <p:spPr/>
+        <p:txBody>
+          <a:bodyPr/>
+          <a:lstStyle/>
+          <a:p>
+            <a:r>
+              <a:rPr lang="en-US" dirty="0"/>
+              <a:t>05.07.2022</a:t>
+            </a:r>
+            <a:endParaRPr lang="en-GB" dirty="0">
+              <a:solidFill>
+                <a:schemeClr val="bg1"/>
+              </a:solidFill>
+            </a:endParaRPr>
+          </a:p>
+        </p:txBody>
+      </p:sp>
+      <p:sp>
+        <p:nvSpPr>
+          <p:cNvPr id="9" name="Datumsplatzhalter 1">
+            <a:extLst>
+              <a:ext uri="{FF2B5EF4-FFF2-40B4-BE49-F238E27FC236}">
+                <a16:creationId xmlns:a16="http://schemas.microsoft.com/office/drawing/2014/main" id="{5C641C42-2AE8-4216-8895-DDFE3834FEEE}"/>
+              </a:ext>
+            </a:extLst>
+          </p:cNvPr>
+          <p:cNvSpPr txBox="1">
+            <a:spLocks/>
+          </p:cNvSpPr>
+          <p:nvPr/>
+        </p:nvSpPr>
+        <p:spPr>
+          <a:xfrm>
+            <a:off x="3563888" y="6513414"/>
+            <a:ext cx="2232248" cy="162000"/>
+          </a:xfrm>
+          <a:prstGeom prst="rect">
+            <a:avLst/>
+          </a:prstGeom>
+        </p:spPr>
+        <p:txBody>
+          <a:bodyPr vert="horz" wrap="none" lIns="91440" tIns="45720" rIns="91440" bIns="45720" rtlCol="0" anchor="ctr"/>
+          <a:lstStyle>
+            <a:defPPr>
+              <a:defRPr lang="de-DE"/>
+            </a:defPPr>
+            <a:lvl1pPr algn="l" rtl="0" fontAlgn="base">
+              <a:spcBef>
+                <a:spcPct val="0"/>
+              </a:spcBef>
+              <a:spcAft>
+                <a:spcPct val="0"/>
+              </a:spcAft>
+              <a:defRPr sz="900" b="0" kern="1200">
+                <a:solidFill>
+                  <a:schemeClr val="bg1"/>
+                </a:solidFill>
+                <a:latin typeface="+mn-lt"/>
+                <a:ea typeface="+mn-ea"/>
+                <a:cs typeface="+mn-cs"/>
+              </a:defRPr>
+            </a:lvl1pPr>
+            <a:lvl2pPr marL="457200" algn="l" rtl="0" fontAlgn="base">
+              <a:spcBef>
+                <a:spcPct val="0"/>
+              </a:spcBef>
+              <a:spcAft>
+                <a:spcPct val="0"/>
+              </a:spcAft>
+              <a:defRPr kern="1200">
+                <a:solidFill>
+                  <a:schemeClr val="tx1"/>
+                </a:solidFill>
+                <a:latin typeface="Arial" charset="0"/>
+                <a:ea typeface="+mn-ea"/>
+                <a:cs typeface="+mn-cs"/>
+              </a:defRPr>
+            </a:lvl2pPr>
+            <a:lvl3pPr marL="914400" algn="l" rtl="0" fontAlgn="base">
+              <a:spcBef>
+                <a:spcPct val="0"/>
+              </a:spcBef>
+              <a:spcAft>
+                <a:spcPct val="0"/>
+              </a:spcAft>
+              <a:defRPr kern="1200">
+                <a:solidFill>
+                  <a:schemeClr val="tx1"/>
+                </a:solidFill>
+                <a:latin typeface="Arial" charset="0"/>
+                <a:ea typeface="+mn-ea"/>
+                <a:cs typeface="+mn-cs"/>
+              </a:defRPr>
+            </a:lvl3pPr>
+            <a:lvl4pPr marL="1371600" algn="l" rtl="0" fontAlgn="base">
+              <a:spcBef>
+                <a:spcPct val="0"/>
+              </a:spcBef>
+              <a:spcAft>
+                <a:spcPct val="0"/>
+              </a:spcAft>
+              <a:defRPr kern="1200">
+                <a:solidFill>
+                  <a:schemeClr val="tx1"/>
+                </a:solidFill>
+                <a:latin typeface="Arial" charset="0"/>
+                <a:ea typeface="+mn-ea"/>
+                <a:cs typeface="+mn-cs"/>
+              </a:defRPr>
+            </a:lvl4pPr>
+            <a:lvl5pPr marL="1828800" algn="l" rtl="0" fontAlgn="base">
+              <a:spcBef>
+                <a:spcPct val="0"/>
+              </a:spcBef>
+              <a:spcAft>
+                <a:spcPct val="0"/>
+              </a:spcAft>
+              <a:defRPr kern="1200">
+                <a:solidFill>
+                  <a:schemeClr val="tx1"/>
+                </a:solidFill>
+                <a:latin typeface="Arial" charset="0"/>
+                <a:ea typeface="+mn-ea"/>
+                <a:cs typeface="+mn-cs"/>
+              </a:defRPr>
+            </a:lvl5pPr>
+            <a:lvl6pPr marL="2286000" algn="l" defTabSz="914400" rtl="0" eaLnBrk="1" latinLnBrk="0" hangingPunct="1">
+              <a:defRPr kern="1200">
+                <a:solidFill>
+                  <a:schemeClr val="tx1"/>
+                </a:solidFill>
+                <a:latin typeface="Arial" charset="0"/>
+                <a:ea typeface="+mn-ea"/>
+                <a:cs typeface="+mn-cs"/>
+              </a:defRPr>
+            </a:lvl6pPr>
+            <a:lvl7pPr marL="2743200" algn="l" defTabSz="914400" rtl="0" eaLnBrk="1" latinLnBrk="0" hangingPunct="1">
+              <a:defRPr kern="1200">
+                <a:solidFill>
+                  <a:schemeClr val="tx1"/>
+                </a:solidFill>
+                <a:latin typeface="Arial" charset="0"/>
+                <a:ea typeface="+mn-ea"/>
+                <a:cs typeface="+mn-cs"/>
+              </a:defRPr>
+            </a:lvl7pPr>
+            <a:lvl8pPr marL="3200400" algn="l" defTabSz="914400" rtl="0" eaLnBrk="1" latinLnBrk="0" hangingPunct="1">
+              <a:defRPr kern="1200">
+                <a:solidFill>
+                  <a:schemeClr val="tx1"/>
+                </a:solidFill>
+                <a:latin typeface="Arial" charset="0"/>
+                <a:ea typeface="+mn-ea"/>
+                <a:cs typeface="+mn-cs"/>
+              </a:defRPr>
+            </a:lvl8pPr>
+            <a:lvl9pPr marL="3657600" algn="l" defTabSz="914400" rtl="0" eaLnBrk="1" latinLnBrk="0" hangingPunct="1">
+              <a:defRPr kern="1200">
+                <a:solidFill>
+                  <a:schemeClr val="tx1"/>
+                </a:solidFill>
+                <a:latin typeface="Arial" charset="0"/>
+                <a:ea typeface="+mn-ea"/>
+                <a:cs typeface="+mn-cs"/>
+              </a:defRPr>
+            </a:lvl9pPr>
+          </a:lstStyle>
+          <a:p>
+            <a:r>
+              <a:rPr lang="de-DE" dirty="0"/>
+              <a:t>Hahn, Kleber, Klier, </a:t>
+            </a:r>
+            <a:r>
+              <a:rPr lang="de-DE" dirty="0" err="1"/>
               <a:t>Kreussel</a:t>
             </a:r>
             <a:r>
-              <a:rPr lang="en-DE" dirty="0"/>
-              <a:t>, Ziegler</a:t>
+              <a:rPr lang="de-DE" dirty="0"/>
+              <a:t>, Paris, Ziegler</a:t>
+            </a:r>
+          </a:p>
+        </p:txBody>
+      </p:sp>
+      <p:pic>
+        <p:nvPicPr>
+          <p:cNvPr id="11" name="Picture 12">
+            <a:extLst>
+              <a:ext uri="{FF2B5EF4-FFF2-40B4-BE49-F238E27FC236}">
+                <a16:creationId xmlns:a16="http://schemas.microsoft.com/office/drawing/2014/main" id="{F6932190-7961-53F7-5402-EF003E5A4A9A}"/>
+              </a:ext>
+            </a:extLst>
+          </p:cNvPr>
+          <p:cNvPicPr>
+            <a:picLocks noChangeAspect="1" noChangeArrowheads="1"/>
+          </p:cNvPicPr>
+          <p:nvPr/>
+        </p:nvPicPr>
+        <p:blipFill>
+          <a:blip r:embed="rId2">
+            <a:extLst>
+              <a:ext uri="{28A0092B-C50C-407E-A947-70E740481C1C}">
+                <a14:useLocalDpi xmlns:a14="http://schemas.microsoft.com/office/drawing/2010/main" val="0"/>
+              </a:ext>
+            </a:extLst>
+          </a:blip>
+          <a:srcRect/>
+          <a:stretch>
+            <a:fillRect/>
+          </a:stretch>
+        </p:blipFill>
+        <p:spPr bwMode="auto">
+          <a:xfrm>
+            <a:off x="7524328" y="6096482"/>
+            <a:ext cx="1619672" cy="375374"/>
+          </a:xfrm>
+          <a:prstGeom prst="rect">
+            <a:avLst/>
+          </a:prstGeom>
+          <a:noFill/>
+          <a:extLst>
+            <a:ext uri="{909E8E84-426E-40DD-AFC4-6F175D3DCCD1}">
+              <a14:hiddenFill xmlns:a14="http://schemas.microsoft.com/office/drawing/2010/main">
+                <a:solidFill>
+                  <a:srgbClr val="FFFFFF"/>
+                </a:solidFill>
+              </a14:hiddenFill>
+            </a:ext>
+          </a:extLst>
+        </p:spPr>
+      </p:pic>
+      <p:pic>
+        <p:nvPicPr>
+          <p:cNvPr id="2056" name="Picture 8">
+            <a:extLst>
+              <a:ext uri="{FF2B5EF4-FFF2-40B4-BE49-F238E27FC236}">
+                <a16:creationId xmlns:a16="http://schemas.microsoft.com/office/drawing/2014/main" id="{733DF977-818E-05EA-254C-F3BC5E4B6BA6}"/>
+              </a:ext>
+            </a:extLst>
+          </p:cNvPr>
+          <p:cNvPicPr>
+            <a:picLocks noChangeAspect="1" noChangeArrowheads="1"/>
+          </p:cNvPicPr>
+          <p:nvPr/>
+        </p:nvPicPr>
+        <p:blipFill>
+          <a:blip r:embed="rId3">
+            <a:extLst>
+              <a:ext uri="{28A0092B-C50C-407E-A947-70E740481C1C}">
+                <a14:useLocalDpi xmlns:a14="http://schemas.microsoft.com/office/drawing/2010/main" val="0"/>
+              </a:ext>
+            </a:extLst>
+          </a:blip>
+          <a:srcRect/>
+          <a:stretch>
+            <a:fillRect/>
+          </a:stretch>
+        </p:blipFill>
+        <p:spPr bwMode="auto">
+          <a:xfrm>
+            <a:off x="708643" y="1013533"/>
+            <a:ext cx="7432595" cy="5002807"/>
+          </a:xfrm>
+          <a:prstGeom prst="rect">
+            <a:avLst/>
+          </a:prstGeom>
+          <a:noFill/>
+          <a:extLst>
+            <a:ext uri="{909E8E84-426E-40DD-AFC4-6F175D3DCCD1}">
+              <a14:hiddenFill xmlns:a14="http://schemas.microsoft.com/office/drawing/2010/main">
+                <a:solidFill>
+                  <a:srgbClr val="FFFFFF"/>
+                </a:solidFill>
+              </a14:hiddenFill>
+            </a:ext>
+          </a:extLst>
+        </p:spPr>
+      </p:pic>
+    </p:spTree>
+    <p:extLst>
+      <p:ext uri="{BB962C8B-B14F-4D97-AF65-F5344CB8AC3E}">
+        <p14:creationId xmlns:p14="http://schemas.microsoft.com/office/powerpoint/2010/main" val="2547494669"/>
+      </p:ext>
+    </p:extLst>
+  </p:cSld>
+  <p:clrMapOvr>
+    <a:masterClrMapping/>
+  </p:clrMapOvr>
+</p:sld>
+</file>
+
+<file path=ppt/slides/slide11.xml><?xml version="1.0" encoding="utf-8"?>
+<p:sld xmlns:a="http://schemas.openxmlformats.org/drawingml/2006/main" xmlns:r="http://schemas.openxmlformats.org/officeDocument/2006/relationships" xmlns:p="http://schemas.openxmlformats.org/presentationml/2006/main">
+  <p:cSld>
+    <p:spTree>
+      <p:nvGrpSpPr>
+        <p:cNvPr id="1" name=""/>
+        <p:cNvGrpSpPr/>
+        <p:nvPr/>
+      </p:nvGrpSpPr>
+      <p:grpSpPr>
+        <a:xfrm>
+          <a:off x="0" y="0"/>
+          <a:ext cx="0" cy="0"/>
+          <a:chOff x="0" y="0"/>
+          <a:chExt cx="0" cy="0"/>
+        </a:xfrm>
+      </p:grpSpPr>
+      <p:sp>
+        <p:nvSpPr>
+          <p:cNvPr id="2" name="Titel 1">
+            <a:extLst>
+              <a:ext uri="{FF2B5EF4-FFF2-40B4-BE49-F238E27FC236}">
+                <a16:creationId xmlns:a16="http://schemas.microsoft.com/office/drawing/2014/main" id="{74D8A47A-1A55-44CE-A2AD-17EC386BDEBE}"/>
+              </a:ext>
+            </a:extLst>
+          </p:cNvPr>
+          <p:cNvSpPr>
+            <a:spLocks noGrp="1"/>
+          </p:cNvSpPr>
+          <p:nvPr>
+            <p:ph type="title"/>
+          </p:nvPr>
+        </p:nvSpPr>
+        <p:spPr/>
+        <p:txBody>
+          <a:bodyPr/>
+          <a:lstStyle/>
+          <a:p>
+            <a:r>
+              <a:rPr lang="en-DE" dirty="0" err="1"/>
+              <a:t>Anwendung</a:t>
             </a:r>
             <a:endParaRPr lang="de-DE" dirty="0"/>
           </a:p>
         </p:txBody>
       </p:sp>
+      <p:sp>
+        <p:nvSpPr>
+          <p:cNvPr id="3" name="Foliennummernplatzhalter 2">
+            <a:extLst>
+              <a:ext uri="{FF2B5EF4-FFF2-40B4-BE49-F238E27FC236}">
+                <a16:creationId xmlns:a16="http://schemas.microsoft.com/office/drawing/2014/main" id="{62975FD5-F5B5-4706-880B-DBBCA2F9C27A}"/>
+              </a:ext>
+            </a:extLst>
+          </p:cNvPr>
+          <p:cNvSpPr>
+            <a:spLocks noGrp="1"/>
+          </p:cNvSpPr>
+          <p:nvPr>
+            <p:ph type="sldNum" sz="quarter" idx="4"/>
+          </p:nvPr>
+        </p:nvSpPr>
+        <p:spPr/>
+        <p:txBody>
+          <a:bodyPr/>
+          <a:lstStyle/>
+          <a:p>
+            <a:pPr algn="l"/>
+            <a:fld id="{58B5944C-422B-400C-ACEC-079F06A0E4F8}" type="slidenum">
+              <a:rPr lang="de-DE" smtClean="0"/>
+              <a:pPr algn="l"/>
+              <a:t>11</a:t>
+            </a:fld>
+            <a:endParaRPr lang="de-DE" dirty="0"/>
+          </a:p>
+        </p:txBody>
+      </p:sp>
+      <p:sp>
+        <p:nvSpPr>
+          <p:cNvPr id="4" name="Fußzeilenplatzhalter 3">
+            <a:extLst>
+              <a:ext uri="{FF2B5EF4-FFF2-40B4-BE49-F238E27FC236}">
+                <a16:creationId xmlns:a16="http://schemas.microsoft.com/office/drawing/2014/main" id="{B5883D3D-9B7D-4A33-90D9-66601485239B}"/>
+              </a:ext>
+            </a:extLst>
+          </p:cNvPr>
+          <p:cNvSpPr>
+            <a:spLocks noGrp="1"/>
+          </p:cNvSpPr>
+          <p:nvPr>
+            <p:ph type="ftr" sz="quarter" idx="3"/>
+          </p:nvPr>
+        </p:nvSpPr>
+        <p:spPr/>
+        <p:txBody>
+          <a:bodyPr/>
+          <a:lstStyle/>
+          <a:p>
+            <a:r>
+              <a:rPr lang="de-DE" b="0" i="0" dirty="0">
+                <a:effectLst/>
+                <a:latin typeface="Arial" panose="020B0604020202020204" pitchFamily="34" charset="0"/>
+              </a:rPr>
+              <a:t>Twitter-Dash</a:t>
+            </a:r>
+            <a:endParaRPr lang="de-DE" dirty="0">
+              <a:solidFill>
+                <a:schemeClr val="bg1"/>
+              </a:solidFill>
+            </a:endParaRPr>
+          </a:p>
+        </p:txBody>
+      </p:sp>
+      <p:sp>
+        <p:nvSpPr>
+          <p:cNvPr id="5" name="Datumsplatzhalter 4">
+            <a:extLst>
+              <a:ext uri="{FF2B5EF4-FFF2-40B4-BE49-F238E27FC236}">
+                <a16:creationId xmlns:a16="http://schemas.microsoft.com/office/drawing/2014/main" id="{4547C540-2968-4C45-944A-192AAAE5A34C}"/>
+              </a:ext>
+            </a:extLst>
+          </p:cNvPr>
+          <p:cNvSpPr>
+            <a:spLocks noGrp="1"/>
+          </p:cNvSpPr>
+          <p:nvPr>
+            <p:ph type="dt" sz="half" idx="2"/>
+          </p:nvPr>
+        </p:nvSpPr>
+        <p:spPr/>
+        <p:txBody>
+          <a:bodyPr/>
+          <a:lstStyle/>
+          <a:p>
+            <a:r>
+              <a:rPr lang="en-US" dirty="0"/>
+              <a:t>05.07.2022</a:t>
+            </a:r>
+            <a:endParaRPr lang="en-GB" dirty="0">
+              <a:solidFill>
+                <a:schemeClr val="bg1"/>
+              </a:solidFill>
+            </a:endParaRPr>
+          </a:p>
+        </p:txBody>
+      </p:sp>
+      <p:sp>
+        <p:nvSpPr>
+          <p:cNvPr id="9" name="Datumsplatzhalter 1">
+            <a:extLst>
+              <a:ext uri="{FF2B5EF4-FFF2-40B4-BE49-F238E27FC236}">
+                <a16:creationId xmlns:a16="http://schemas.microsoft.com/office/drawing/2014/main" id="{5C641C42-2AE8-4216-8895-DDFE3834FEEE}"/>
+              </a:ext>
+            </a:extLst>
+          </p:cNvPr>
+          <p:cNvSpPr txBox="1">
+            <a:spLocks/>
+          </p:cNvSpPr>
+          <p:nvPr/>
+        </p:nvSpPr>
+        <p:spPr>
+          <a:xfrm>
+            <a:off x="3563888" y="6513414"/>
+            <a:ext cx="2232248" cy="162000"/>
+          </a:xfrm>
+          <a:prstGeom prst="rect">
+            <a:avLst/>
+          </a:prstGeom>
+        </p:spPr>
+        <p:txBody>
+          <a:bodyPr vert="horz" wrap="none" lIns="91440" tIns="45720" rIns="91440" bIns="45720" rtlCol="0" anchor="ctr"/>
+          <a:lstStyle>
+            <a:defPPr>
+              <a:defRPr lang="de-DE"/>
+            </a:defPPr>
+            <a:lvl1pPr algn="l" rtl="0" fontAlgn="base">
+              <a:spcBef>
+                <a:spcPct val="0"/>
+              </a:spcBef>
+              <a:spcAft>
+                <a:spcPct val="0"/>
+              </a:spcAft>
+              <a:defRPr sz="900" b="0" kern="1200">
+                <a:solidFill>
+                  <a:schemeClr val="bg1"/>
+                </a:solidFill>
+                <a:latin typeface="+mn-lt"/>
+                <a:ea typeface="+mn-ea"/>
+                <a:cs typeface="+mn-cs"/>
+              </a:defRPr>
+            </a:lvl1pPr>
+            <a:lvl2pPr marL="457200" algn="l" rtl="0" fontAlgn="base">
+              <a:spcBef>
+                <a:spcPct val="0"/>
+              </a:spcBef>
+              <a:spcAft>
+                <a:spcPct val="0"/>
+              </a:spcAft>
+              <a:defRPr kern="1200">
+                <a:solidFill>
+                  <a:schemeClr val="tx1"/>
+                </a:solidFill>
+                <a:latin typeface="Arial" charset="0"/>
+                <a:ea typeface="+mn-ea"/>
+                <a:cs typeface="+mn-cs"/>
+              </a:defRPr>
+            </a:lvl2pPr>
+            <a:lvl3pPr marL="914400" algn="l" rtl="0" fontAlgn="base">
+              <a:spcBef>
+                <a:spcPct val="0"/>
+              </a:spcBef>
+              <a:spcAft>
+                <a:spcPct val="0"/>
+              </a:spcAft>
+              <a:defRPr kern="1200">
+                <a:solidFill>
+                  <a:schemeClr val="tx1"/>
+                </a:solidFill>
+                <a:latin typeface="Arial" charset="0"/>
+                <a:ea typeface="+mn-ea"/>
+                <a:cs typeface="+mn-cs"/>
+              </a:defRPr>
+            </a:lvl3pPr>
+            <a:lvl4pPr marL="1371600" algn="l" rtl="0" fontAlgn="base">
+              <a:spcBef>
+                <a:spcPct val="0"/>
+              </a:spcBef>
+              <a:spcAft>
+                <a:spcPct val="0"/>
+              </a:spcAft>
+              <a:defRPr kern="1200">
+                <a:solidFill>
+                  <a:schemeClr val="tx1"/>
+                </a:solidFill>
+                <a:latin typeface="Arial" charset="0"/>
+                <a:ea typeface="+mn-ea"/>
+                <a:cs typeface="+mn-cs"/>
+              </a:defRPr>
+            </a:lvl4pPr>
+            <a:lvl5pPr marL="1828800" algn="l" rtl="0" fontAlgn="base">
+              <a:spcBef>
+                <a:spcPct val="0"/>
+              </a:spcBef>
+              <a:spcAft>
+                <a:spcPct val="0"/>
+              </a:spcAft>
+              <a:defRPr kern="1200">
+                <a:solidFill>
+                  <a:schemeClr val="tx1"/>
+                </a:solidFill>
+                <a:latin typeface="Arial" charset="0"/>
+                <a:ea typeface="+mn-ea"/>
+                <a:cs typeface="+mn-cs"/>
+              </a:defRPr>
+            </a:lvl5pPr>
+            <a:lvl6pPr marL="2286000" algn="l" defTabSz="914400" rtl="0" eaLnBrk="1" latinLnBrk="0" hangingPunct="1">
+              <a:defRPr kern="1200">
+                <a:solidFill>
+                  <a:schemeClr val="tx1"/>
+                </a:solidFill>
+                <a:latin typeface="Arial" charset="0"/>
+                <a:ea typeface="+mn-ea"/>
+                <a:cs typeface="+mn-cs"/>
+              </a:defRPr>
+            </a:lvl6pPr>
+            <a:lvl7pPr marL="2743200" algn="l" defTabSz="914400" rtl="0" eaLnBrk="1" latinLnBrk="0" hangingPunct="1">
+              <a:defRPr kern="1200">
+                <a:solidFill>
+                  <a:schemeClr val="tx1"/>
+                </a:solidFill>
+                <a:latin typeface="Arial" charset="0"/>
+                <a:ea typeface="+mn-ea"/>
+                <a:cs typeface="+mn-cs"/>
+              </a:defRPr>
+            </a:lvl7pPr>
+            <a:lvl8pPr marL="3200400" algn="l" defTabSz="914400" rtl="0" eaLnBrk="1" latinLnBrk="0" hangingPunct="1">
+              <a:defRPr kern="1200">
+                <a:solidFill>
+                  <a:schemeClr val="tx1"/>
+                </a:solidFill>
+                <a:latin typeface="Arial" charset="0"/>
+                <a:ea typeface="+mn-ea"/>
+                <a:cs typeface="+mn-cs"/>
+              </a:defRPr>
+            </a:lvl8pPr>
+            <a:lvl9pPr marL="3657600" algn="l" defTabSz="914400" rtl="0" eaLnBrk="1" latinLnBrk="0" hangingPunct="1">
+              <a:defRPr kern="1200">
+                <a:solidFill>
+                  <a:schemeClr val="tx1"/>
+                </a:solidFill>
+                <a:latin typeface="Arial" charset="0"/>
+                <a:ea typeface="+mn-ea"/>
+                <a:cs typeface="+mn-cs"/>
+              </a:defRPr>
+            </a:lvl9pPr>
+          </a:lstStyle>
+          <a:p>
+            <a:r>
+              <a:rPr lang="de-DE" dirty="0"/>
+              <a:t>Hahn, Kleber, Klier, </a:t>
+            </a:r>
+            <a:r>
+              <a:rPr lang="de-DE" dirty="0" err="1"/>
+              <a:t>Kreussel</a:t>
+            </a:r>
+            <a:r>
+              <a:rPr lang="de-DE" dirty="0"/>
+              <a:t>, Paris, Ziegler</a:t>
+            </a:r>
+          </a:p>
+        </p:txBody>
+      </p:sp>
+      <p:pic>
+        <p:nvPicPr>
+          <p:cNvPr id="11" name="Picture 12">
+            <a:extLst>
+              <a:ext uri="{FF2B5EF4-FFF2-40B4-BE49-F238E27FC236}">
+                <a16:creationId xmlns:a16="http://schemas.microsoft.com/office/drawing/2014/main" id="{F6932190-7961-53F7-5402-EF003E5A4A9A}"/>
+              </a:ext>
+            </a:extLst>
+          </p:cNvPr>
+          <p:cNvPicPr>
+            <a:picLocks noChangeAspect="1" noChangeArrowheads="1"/>
+          </p:cNvPicPr>
+          <p:nvPr/>
+        </p:nvPicPr>
+        <p:blipFill>
+          <a:blip r:embed="rId2">
+            <a:extLst>
+              <a:ext uri="{28A0092B-C50C-407E-A947-70E740481C1C}">
+                <a14:useLocalDpi xmlns:a14="http://schemas.microsoft.com/office/drawing/2010/main" val="0"/>
+              </a:ext>
+            </a:extLst>
+          </a:blip>
+          <a:srcRect/>
+          <a:stretch>
+            <a:fillRect/>
+          </a:stretch>
+        </p:blipFill>
+        <p:spPr bwMode="auto">
+          <a:xfrm>
+            <a:off x="7524328" y="6096482"/>
+            <a:ext cx="1619672" cy="375374"/>
+          </a:xfrm>
+          <a:prstGeom prst="rect">
+            <a:avLst/>
+          </a:prstGeom>
+          <a:noFill/>
+          <a:extLst>
+            <a:ext uri="{909E8E84-426E-40DD-AFC4-6F175D3DCCD1}">
+              <a14:hiddenFill xmlns:a14="http://schemas.microsoft.com/office/drawing/2010/main">
+                <a:solidFill>
+                  <a:srgbClr val="FFFFFF"/>
+                </a:solidFill>
+              </a14:hiddenFill>
+            </a:ext>
+          </a:extLst>
+        </p:spPr>
+      </p:pic>
+      <p:pic>
+        <p:nvPicPr>
+          <p:cNvPr id="2056" name="Picture 8">
+            <a:extLst>
+              <a:ext uri="{FF2B5EF4-FFF2-40B4-BE49-F238E27FC236}">
+                <a16:creationId xmlns:a16="http://schemas.microsoft.com/office/drawing/2014/main" id="{733DF977-818E-05EA-254C-F3BC5E4B6BA6}"/>
+              </a:ext>
+            </a:extLst>
+          </p:cNvPr>
+          <p:cNvPicPr>
+            <a:picLocks noChangeAspect="1" noChangeArrowheads="1"/>
+          </p:cNvPicPr>
+          <p:nvPr/>
+        </p:nvPicPr>
+        <p:blipFill>
+          <a:blip r:embed="rId3">
+            <a:extLst>
+              <a:ext uri="{28A0092B-C50C-407E-A947-70E740481C1C}">
+                <a14:useLocalDpi xmlns:a14="http://schemas.microsoft.com/office/drawing/2010/main" val="0"/>
+              </a:ext>
+            </a:extLst>
+          </a:blip>
+          <a:srcRect/>
+          <a:stretch/>
+        </p:blipFill>
+        <p:spPr bwMode="auto">
+          <a:xfrm>
+            <a:off x="708643" y="1067254"/>
+            <a:ext cx="7432595" cy="4895363"/>
+          </a:xfrm>
+          <a:prstGeom prst="rect">
+            <a:avLst/>
+          </a:prstGeom>
+          <a:noFill/>
+          <a:extLst>
+            <a:ext uri="{909E8E84-426E-40DD-AFC4-6F175D3DCCD1}">
+              <a14:hiddenFill xmlns:a14="http://schemas.microsoft.com/office/drawing/2010/main">
+                <a:solidFill>
+                  <a:srgbClr val="FFFFFF"/>
+                </a:solidFill>
+              </a14:hiddenFill>
+            </a:ext>
+          </a:extLst>
+        </p:spPr>
+      </p:pic>
     </p:spTree>
+    <p:extLst>
+      <p:ext uri="{BB962C8B-B14F-4D97-AF65-F5344CB8AC3E}">
+        <p14:creationId xmlns:p14="http://schemas.microsoft.com/office/powerpoint/2010/main" val="344472271"/>
+      </p:ext>
+    </p:extLst>
   </p:cSld>
   <p:clrMapOvr>
     <a:masterClrMapping/>
@@ -5082,8 +5722,8 @@
           <a:lstStyle/>
           <a:p>
             <a:r>
-              <a:rPr lang="en-DE" dirty="0"/>
-              <a:t>17.01.2022</a:t>
+              <a:rPr lang="en-US" dirty="0"/>
+              <a:t>05.07.2022</a:t>
             </a:r>
             <a:endParaRPr lang="en-GB" dirty="0">
               <a:solidFill>
@@ -5115,11 +5755,11 @@
           <a:lstStyle/>
           <a:p>
             <a:r>
-              <a:rPr lang="de-DE" b="0" i="0" dirty="0" err="1">
+              <a:rPr lang="de-DE" b="0" i="0" dirty="0">
                 <a:effectLst/>
                 <a:latin typeface="Arial" panose="020B0604020202020204" pitchFamily="34" charset="0"/>
               </a:rPr>
-              <a:t>Graphvio</a:t>
+              <a:t>Twitter-Dash</a:t>
             </a:r>
             <a:endParaRPr lang="de-DE" dirty="0">
               <a:solidFill>
@@ -5174,8 +5814,8 @@
         </p:nvSpPr>
         <p:spPr>
           <a:xfrm>
-            <a:off x="251520" y="1412776"/>
-            <a:ext cx="8784976" cy="646331"/>
+            <a:off x="251520" y="1645011"/>
+            <a:ext cx="8784976" cy="369332"/>
           </a:xfrm>
           <a:prstGeom prst="rect">
             <a:avLst/>
@@ -5207,35 +5847,97 @@
                 <a:effectLst/>
                 <a:latin typeface="Arial" panose="020B0604020202020204" pitchFamily="34" charset="0"/>
               </a:rPr>
-              <a:t> ist es, Filmdatenbanken durchsuchbar zu machen, um Informationen </a:t>
+              <a:t> ist es, </a:t>
+            </a:r>
+            <a:r>
+              <a:rPr lang="en-US" b="0" i="0" dirty="0" err="1">
+                <a:effectLst/>
+                <a:latin typeface="Arial" panose="020B0604020202020204" pitchFamily="34" charset="0"/>
+              </a:rPr>
+              <a:t>einen</a:t>
+            </a:r>
+            <a:r>
+              <a:rPr lang="en-US" b="0" i="0" dirty="0">
+                <a:effectLst/>
+                <a:latin typeface="Arial" panose="020B0604020202020204" pitchFamily="34" charset="0"/>
+              </a:rPr>
+              <a:t> </a:t>
+            </a:r>
+            <a:r>
+              <a:rPr lang="en-US" dirty="0" err="1">
+                <a:latin typeface="Arial" panose="020B0604020202020204" pitchFamily="34" charset="0"/>
+              </a:rPr>
+              <a:t>Ü</a:t>
+            </a:r>
+            <a:r>
+              <a:rPr lang="en-US" b="0" i="0" dirty="0" err="1">
+                <a:effectLst/>
+                <a:latin typeface="Arial" panose="020B0604020202020204" pitchFamily="34" charset="0"/>
+              </a:rPr>
+              <a:t>berblick</a:t>
+            </a:r>
+            <a:r>
+              <a:rPr lang="en-US" b="0" i="0" dirty="0">
+                <a:effectLst/>
+                <a:latin typeface="Arial" panose="020B0604020202020204" pitchFamily="34" charset="0"/>
+              </a:rPr>
+              <a:t> </a:t>
+            </a:r>
+            <a:r>
+              <a:rPr lang="en-US" b="0" i="0" dirty="0" err="1">
+                <a:effectLst/>
+                <a:latin typeface="Arial" panose="020B0604020202020204" pitchFamily="34" charset="0"/>
+              </a:rPr>
+              <a:t>über</a:t>
+            </a:r>
+            <a:r>
+              <a:rPr lang="en-US" b="0" i="0" dirty="0">
+                <a:effectLst/>
+                <a:latin typeface="Arial" panose="020B0604020202020204" pitchFamily="34" charset="0"/>
+              </a:rPr>
+              <a:t> </a:t>
+            </a:r>
+            <a:r>
+              <a:rPr lang="en-US" b="0" i="0" dirty="0" err="1">
+                <a:effectLst/>
+                <a:latin typeface="Arial" panose="020B0604020202020204" pitchFamily="34" charset="0"/>
+              </a:rPr>
+              <a:t>aktuelle</a:t>
+            </a:r>
+            <a:r>
+              <a:rPr lang="en-US" b="0" i="0" dirty="0">
+                <a:effectLst/>
+                <a:latin typeface="Arial" panose="020B0604020202020204" pitchFamily="34" charset="0"/>
+              </a:rPr>
+              <a:t> Trends auf Twitter </a:t>
+            </a:r>
+            <a:r>
+              <a:rPr lang="en-US" b="0" i="0" dirty="0" err="1">
+                <a:effectLst/>
+                <a:latin typeface="Arial" panose="020B0604020202020204" pitchFamily="34" charset="0"/>
+              </a:rPr>
+              <a:t>zu</a:t>
+            </a:r>
+            <a:r>
+              <a:rPr lang="en-US" b="0" i="0" dirty="0">
+                <a:effectLst/>
+                <a:latin typeface="Arial" panose="020B0604020202020204" pitchFamily="34" charset="0"/>
+              </a:rPr>
+              <a:t> </a:t>
+            </a:r>
+            <a:r>
+              <a:rPr lang="en-US" b="0" i="0" dirty="0" err="1">
+                <a:effectLst/>
+                <a:latin typeface="Arial" panose="020B0604020202020204" pitchFamily="34" charset="0"/>
+              </a:rPr>
+              <a:t>erhaltern</a:t>
             </a:r>
             <a:r>
               <a:rPr lang="en-DE" b="0" i="0" dirty="0">
                 <a:effectLst/>
                 <a:latin typeface="Arial" panose="020B0604020202020204" pitchFamily="34" charset="0"/>
               </a:rPr>
-              <a:t>ü</a:t>
-            </a:r>
-            <a:r>
-              <a:rPr lang="de-DE" b="0" i="0" dirty="0" err="1">
-                <a:effectLst/>
-                <a:latin typeface="Arial" panose="020B0604020202020204" pitchFamily="34" charset="0"/>
-              </a:rPr>
-              <a:t>ber</a:t>
-            </a:r>
-            <a:r>
-              <a:rPr lang="de-DE" b="0" i="0" dirty="0">
-                <a:effectLst/>
-                <a:latin typeface="Arial" panose="020B0604020202020204" pitchFamily="34" charset="0"/>
-              </a:rPr>
-              <a:t> Filme zu erhalte</a:t>
-            </a:r>
-            <a:r>
-              <a:rPr lang="en-DE" b="0" i="0" dirty="0">
-                <a:effectLst/>
-                <a:latin typeface="Arial" panose="020B0604020202020204" pitchFamily="34" charset="0"/>
-              </a:rPr>
-              <a:t>n.</a:t>
+              <a:t>.</a:t>
             </a:r>
             <a:endParaRPr lang="de-DE" dirty="0"/>
           </a:p>
@@ -5256,7 +5958,7 @@
         <p:spPr>
           <a:xfrm>
             <a:off x="755696" y="2559926"/>
-            <a:ext cx="2808312" cy="3139321"/>
+            <a:ext cx="2808312" cy="2862322"/>
           </a:xfrm>
           <a:prstGeom prst="rect">
             <a:avLst/>
@@ -5282,126 +5984,102 @@
             <a:endParaRPr lang="en-DE" dirty="0"/>
           </a:p>
           <a:p>
-            <a:pPr marL="285750" indent="-285750">
-              <a:buFont typeface="Wingdings" panose="05000000000000000000" pitchFamily="2" charset="2"/>
-              <a:buChar char="ü"/>
-            </a:pPr>
             <a:r>
               <a:rPr lang="en-DE" dirty="0"/>
               <a:t>(1) </a:t>
             </a:r>
             <a:r>
-              <a:rPr lang="en-DE" dirty="0" err="1"/>
-              <a:t>Filme</a:t>
-            </a:r>
-            <a:r>
-              <a:rPr lang="en-DE" dirty="0"/>
-              <a:t> </a:t>
-            </a:r>
-            <a:r>
-              <a:rPr lang="en-DE" dirty="0" err="1"/>
-              <a:t>anhand</a:t>
-            </a:r>
-            <a:r>
-              <a:rPr lang="en-DE" dirty="0"/>
-              <a:t> </a:t>
-            </a:r>
-            <a:r>
-              <a:rPr lang="en-DE" dirty="0" err="1"/>
-              <a:t>Metadaten</a:t>
-            </a:r>
-            <a:r>
-              <a:rPr lang="en-DE" dirty="0"/>
-              <a:t> </a:t>
-            </a:r>
-            <a:r>
-              <a:rPr lang="en-DE" dirty="0" err="1"/>
-              <a:t>suchen</a:t>
+              <a:rPr lang="en-US" dirty="0" err="1"/>
+              <a:t>Aktuelle</a:t>
+            </a:r>
+            <a:r>
+              <a:rPr lang="en-US" dirty="0"/>
+              <a:t> Trends</a:t>
             </a:r>
             <a:endParaRPr lang="en-DE" dirty="0"/>
           </a:p>
           <a:p>
-            <a:pPr marL="285750" indent="-285750">
-              <a:buFont typeface="Wingdings" panose="05000000000000000000" pitchFamily="2" charset="2"/>
-              <a:buChar char="ü"/>
-            </a:pPr>
-            <a:r>
-              <a:rPr lang="en-DE" dirty="0"/>
-              <a:t>(3) </a:t>
-            </a:r>
-            <a:r>
-              <a:rPr lang="en-DE" dirty="0" err="1"/>
-              <a:t>Gemeinsamkeiten</a:t>
-            </a:r>
-            <a:r>
-              <a:rPr lang="en-DE" dirty="0"/>
-              <a:t> </a:t>
-            </a:r>
-            <a:r>
-              <a:rPr lang="en-DE" dirty="0" err="1"/>
-              <a:t>einer</a:t>
-            </a:r>
-            <a:r>
-              <a:rPr lang="en-DE" dirty="0"/>
-              <a:t> </a:t>
-            </a:r>
-            <a:r>
-              <a:rPr lang="en-DE" dirty="0" err="1"/>
-              <a:t>Filmliste</a:t>
-            </a:r>
-            <a:endParaRPr lang="en-DE" dirty="0"/>
-          </a:p>
-          <a:p>
-            <a:pPr marL="285750" indent="-285750">
-              <a:buFont typeface="Wingdings" panose="05000000000000000000" pitchFamily="2" charset="2"/>
-              <a:buChar char="ü"/>
-            </a:pPr>
-            <a:r>
-              <a:rPr lang="en-DE" dirty="0"/>
-              <a:t>(4) </a:t>
-            </a:r>
-            <a:r>
-              <a:rPr lang="en-DE" dirty="0" err="1"/>
-              <a:t>Filmvorschlag</a:t>
-            </a:r>
-            <a:r>
-              <a:rPr lang="en-DE" dirty="0"/>
-              <a:t> </a:t>
-            </a:r>
-            <a:r>
-              <a:rPr lang="en-DE" dirty="0" err="1"/>
-              <a:t>anhand</a:t>
-            </a:r>
-            <a:r>
-              <a:rPr lang="en-DE" dirty="0"/>
-              <a:t> </a:t>
-            </a:r>
-            <a:r>
-              <a:rPr lang="en-DE" dirty="0" err="1"/>
-              <a:t>Filmliste</a:t>
-            </a:r>
-            <a:endParaRPr lang="en-DE" dirty="0"/>
-          </a:p>
-          <a:p>
-            <a:pPr marL="285750" indent="-285750">
-              <a:buFont typeface="Wingdings" panose="05000000000000000000" pitchFamily="2" charset="2"/>
-              <a:buChar char="ü"/>
-            </a:pPr>
-            <a:r>
-              <a:rPr lang="en-DE" dirty="0"/>
-              <a:t>(2) (</a:t>
-            </a:r>
-            <a:r>
-              <a:rPr lang="en-DE" dirty="0" err="1"/>
-              <a:t>abgeändert</a:t>
+            <a:r>
+              <a:rPr lang="en-US" dirty="0"/>
+              <a:t>(2</a:t>
             </a:r>
             <a:r>
               <a:rPr lang="en-DE" dirty="0"/>
               <a:t>) </a:t>
             </a:r>
             <a:r>
-              <a:rPr lang="en-DE" dirty="0" err="1"/>
-              <a:t>Personensuche</a:t>
+              <a:rPr lang="en-US" dirty="0" err="1"/>
+              <a:t>Zeitlicher</a:t>
+            </a:r>
+            <a:r>
+              <a:rPr lang="en-US" dirty="0"/>
+              <a:t> </a:t>
+            </a:r>
+            <a:r>
+              <a:rPr lang="en-US" dirty="0" err="1"/>
+              <a:t>Verlauf</a:t>
+            </a:r>
+            <a:r>
+              <a:rPr lang="en-US" dirty="0"/>
+              <a:t> </a:t>
+            </a:r>
+            <a:r>
+              <a:rPr lang="en-US" dirty="0" err="1"/>
+              <a:t>eines</a:t>
+            </a:r>
+            <a:r>
+              <a:rPr lang="en-US" dirty="0"/>
+              <a:t> Trends</a:t>
+            </a:r>
+            <a:endParaRPr lang="en-DE" dirty="0"/>
+          </a:p>
+          <a:p>
+            <a:r>
+              <a:rPr lang="en-DE" dirty="0"/>
+              <a:t>(</a:t>
+            </a:r>
+            <a:r>
+              <a:rPr lang="en-US" dirty="0"/>
+              <a:t>3</a:t>
+            </a:r>
+            <a:r>
+              <a:rPr lang="en-DE" dirty="0"/>
+              <a:t>) </a:t>
+            </a:r>
+            <a:r>
+              <a:rPr lang="en-US" dirty="0" err="1"/>
+              <a:t>Zeitlicher</a:t>
+            </a:r>
+            <a:r>
+              <a:rPr lang="en-US" dirty="0"/>
+              <a:t> </a:t>
+            </a:r>
+            <a:r>
+              <a:rPr lang="en-US" dirty="0" err="1"/>
+              <a:t>Verlauf</a:t>
+            </a:r>
+            <a:r>
+              <a:rPr lang="en-US" dirty="0"/>
+              <a:t> </a:t>
+            </a:r>
+            <a:r>
+              <a:rPr lang="en-US" dirty="0" err="1"/>
+              <a:t>mehrer</a:t>
+            </a:r>
+            <a:r>
+              <a:rPr lang="en-US" dirty="0"/>
+              <a:t> Trends </a:t>
+            </a:r>
+            <a:r>
+              <a:rPr lang="en-US" dirty="0" err="1"/>
+              <a:t>vergleichen</a:t>
+            </a:r>
+            <a:endParaRPr lang="en-US" dirty="0"/>
+          </a:p>
+          <a:p>
+            <a:r>
+              <a:rPr lang="en-US" dirty="0"/>
+              <a:t>(5) Sentiments</a:t>
             </a:r>
             <a:endParaRPr lang="en-DE" dirty="0"/>
           </a:p>
@@ -5429,7 +6107,7 @@
         <p:spPr>
           <a:xfrm>
             <a:off x="4788024" y="2564904"/>
-            <a:ext cx="2808312" cy="2585323"/>
+            <a:ext cx="2808312" cy="2308324"/>
           </a:xfrm>
           <a:prstGeom prst="rect">
             <a:avLst/>
@@ -5459,114 +6137,81 @@
             <a:endParaRPr lang="en-DE" dirty="0"/>
           </a:p>
           <a:p>
-            <a:pPr marL="285750" indent="-285750">
-              <a:buFont typeface="Arial" panose="020B0604020202020204" pitchFamily="34" charset="0"/>
-              <a:buChar char="x"/>
-            </a:pPr>
             <a:r>
               <a:rPr lang="en-DE" dirty="0"/>
-              <a:t>(5) </a:t>
-            </a:r>
-            <a:r>
-              <a:rPr lang="en-DE" dirty="0" err="1"/>
-              <a:t>Filmsuche</a:t>
+              <a:t>(</a:t>
+            </a:r>
+            <a:r>
+              <a:rPr lang="en-US" dirty="0"/>
+              <a:t>4</a:t>
             </a:r>
             <a:r>
               <a:rPr lang="en-DE" dirty="0"/>
-              <a:t> </a:t>
-            </a:r>
-            <a:r>
-              <a:rPr lang="en-DE" dirty="0" err="1"/>
-              <a:t>anhand</a:t>
-            </a:r>
-            <a:r>
-              <a:rPr lang="en-DE" dirty="0"/>
-              <a:t> </a:t>
-            </a:r>
-            <a:r>
-              <a:rPr lang="en-DE" dirty="0" err="1"/>
-              <a:t>Filmmitwirkender</a:t>
-            </a:r>
-            <a:r>
-              <a:rPr lang="en-DE" dirty="0"/>
-              <a:t> </a:t>
-            </a:r>
-          </a:p>
-          <a:p>
-            <a:pPr marL="285750" indent="-285750">
-              <a:buFont typeface="Arial" panose="020B0604020202020204" pitchFamily="34" charset="0"/>
-              <a:buChar char="x"/>
-            </a:pPr>
+              <a:t>) </a:t>
+            </a:r>
+            <a:r>
+              <a:rPr lang="en-US" dirty="0"/>
+              <a:t>Topics</a:t>
+            </a:r>
+            <a:endParaRPr lang="en-DE" dirty="0"/>
+          </a:p>
+          <a:p>
             <a:r>
               <a:rPr lang="en-DE" dirty="0"/>
               <a:t>(6) </a:t>
             </a:r>
             <a:r>
-              <a:rPr lang="en-DE" dirty="0" err="1"/>
-              <a:t>Filme</a:t>
-            </a:r>
-            <a:r>
-              <a:rPr lang="en-DE" dirty="0"/>
+              <a:rPr lang="en-US" dirty="0" err="1"/>
+              <a:t>Informationen</a:t>
+            </a:r>
+            <a:r>
+              <a:rPr lang="en-US" dirty="0"/>
               <a:t> </a:t>
             </a:r>
             <a:r>
-              <a:rPr lang="en-DE" dirty="0" err="1"/>
-              <a:t>anhand</a:t>
-            </a:r>
-            <a:r>
-              <a:rPr lang="en-DE" dirty="0"/>
+              <a:rPr lang="en-US" dirty="0" err="1"/>
+              <a:t>zu</a:t>
+            </a:r>
+            <a:r>
+              <a:rPr lang="en-US" dirty="0"/>
               <a:t> </a:t>
             </a:r>
             <a:r>
-              <a:rPr lang="en-DE" dirty="0" err="1"/>
-              <a:t>Metadaten</a:t>
-            </a:r>
-            <a:r>
-              <a:rPr lang="en-DE" dirty="0"/>
-              <a:t> </a:t>
-            </a:r>
-            <a:r>
-              <a:rPr lang="en-DE" dirty="0" err="1"/>
-              <a:t>suchen</a:t>
+              <a:rPr lang="en-US" dirty="0" err="1"/>
+              <a:t>einem</a:t>
+            </a:r>
+            <a:r>
+              <a:rPr lang="en-US" dirty="0"/>
+              <a:t> Tweet</a:t>
             </a:r>
             <a:endParaRPr lang="en-DE" dirty="0"/>
           </a:p>
           <a:p>
-            <a:pPr marL="285750" indent="-285750">
-              <a:buFont typeface="Arial" panose="020B0604020202020204" pitchFamily="34" charset="0"/>
-              <a:buChar char="x"/>
-            </a:pPr>
             <a:r>
               <a:rPr lang="en-DE" dirty="0"/>
               <a:t>(7) </a:t>
             </a:r>
             <a:r>
-              <a:rPr lang="en-DE" dirty="0" err="1"/>
-              <a:t>Sortieren</a:t>
-            </a:r>
-            <a:r>
-              <a:rPr lang="en-DE" dirty="0"/>
-              <a:t> der </a:t>
-            </a:r>
-            <a:r>
-              <a:rPr lang="en-DE" dirty="0" err="1"/>
-              <a:t>Ergebnisse</a:t>
-            </a:r>
-            <a:r>
-              <a:rPr lang="en-DE" dirty="0"/>
+              <a:rPr lang="en-US" dirty="0"/>
+              <a:t>Hashtag Heatmap</a:t>
+            </a:r>
+          </a:p>
+          <a:p>
+            <a:r>
+              <a:rPr lang="en-US" dirty="0"/>
+              <a:t>(8) Twitter </a:t>
+            </a:r>
+            <a:r>
+              <a:rPr lang="en-US" dirty="0" err="1"/>
+              <a:t>Nutzer</a:t>
+            </a:r>
+            <a:r>
+              <a:rPr lang="en-US" dirty="0"/>
               <a:t> </a:t>
             </a:r>
             <a:r>
-              <a:rPr lang="en-DE" dirty="0" err="1"/>
-              <a:t>anhand</a:t>
-            </a:r>
-            <a:r>
-              <a:rPr lang="en-DE" dirty="0"/>
-              <a:t> </a:t>
-            </a:r>
-            <a:r>
-              <a:rPr lang="en-DE" dirty="0" err="1"/>
-              <a:t>Kriterien</a:t>
+              <a:rPr lang="en-US" dirty="0" err="1"/>
+              <a:t>Statistiken</a:t>
             </a:r>
             <a:endParaRPr lang="de-DE" dirty="0"/>
           </a:p>
@@ -5764,14 +6409,17 @@
           </a:lstStyle>
           <a:p>
             <a:r>
-              <a:rPr lang="en-DE" dirty="0" err="1"/>
+              <a:rPr lang="de-DE" dirty="0"/>
+              <a:t>Hahn, Kleber, Klier, </a:t>
+            </a:r>
+            <a:r>
+              <a:rPr lang="de-DE" dirty="0" err="1"/>
               <a:t>Kreussel</a:t>
             </a:r>
             <a:r>
-              <a:rPr lang="en-DE" dirty="0"/>
-              <a:t>, Ziegler</a:t>
-            </a:r>
-            <a:endParaRPr lang="de-DE" dirty="0"/>
+              <a:rPr lang="de-DE" dirty="0"/>
+              <a:t>, Paris, Ziegler</a:t>
+            </a:r>
           </a:p>
         </p:txBody>
       </p:sp>
@@ -5882,11 +6530,11 @@
           <a:lstStyle/>
           <a:p>
             <a:r>
-              <a:rPr lang="de-DE" b="0" i="0" dirty="0" err="1">
+              <a:rPr lang="de-DE" b="0" i="0" dirty="0">
                 <a:effectLst/>
                 <a:latin typeface="Arial" panose="020B0604020202020204" pitchFamily="34" charset="0"/>
               </a:rPr>
-              <a:t>Graphvio</a:t>
+              <a:t>Twitter-Dash</a:t>
             </a:r>
             <a:endParaRPr lang="de-DE" dirty="0">
               <a:solidFill>
@@ -5918,8 +6566,8 @@
           <a:lstStyle/>
           <a:p>
             <a:r>
-              <a:rPr lang="en-DE" dirty="0"/>
-              <a:t>17.01.2022</a:t>
+              <a:rPr lang="en-US" dirty="0"/>
+              <a:t>05.07.2022</a:t>
             </a:r>
             <a:endParaRPr lang="en-GB" dirty="0">
               <a:solidFill>
@@ -5929,53 +6577,6 @@
           </a:p>
         </p:txBody>
       </p:sp>
-      <p:pic>
-        <p:nvPicPr>
-          <p:cNvPr id="7" name="Picture 2">
-            <a:extLst>
-              <a:ext uri="{FF2B5EF4-FFF2-40B4-BE49-F238E27FC236}">
-                <a16:creationId xmlns:a16="http://schemas.microsoft.com/office/drawing/2014/main" id="{D93D9BD1-7922-428D-AF81-447063AA7EE8}"/>
-              </a:ext>
-            </a:extLst>
-          </p:cNvPr>
-          <p:cNvPicPr>
-            <a:picLocks noChangeAspect="1" noChangeArrowheads="1"/>
-          </p:cNvPicPr>
-          <p:nvPr/>
-        </p:nvPicPr>
-        <p:blipFill>
-          <a:blip r:embed="rId2">
-            <a:extLst>
-              <a:ext uri="{28A0092B-C50C-407E-A947-70E740481C1C}">
-                <a14:useLocalDpi xmlns:a14="http://schemas.microsoft.com/office/drawing/2010/main" val="0"/>
-              </a:ext>
-            </a:extLst>
-          </a:blip>
-          <a:srcRect/>
-          <a:stretch>
-            <a:fillRect/>
-          </a:stretch>
-        </p:blipFill>
-        <p:spPr bwMode="auto">
-          <a:xfrm>
-            <a:off x="1349505" y="836712"/>
-            <a:ext cx="5238720" cy="5517130"/>
-          </a:xfrm>
-          <a:prstGeom prst="rect">
-            <a:avLst/>
-          </a:prstGeom>
-          <a:noFill/>
-          <a:extLst>
-            <a:ext uri="{909E8E84-426E-40DD-AFC4-6F175D3DCCD1}">
-              <a14:hiddenFill xmlns:a14="http://schemas.microsoft.com/office/drawing/2010/main">
-                <a:solidFill>
-                  <a:srgbClr val="FFFFFF"/>
-                </a:solidFill>
-              </a14:hiddenFill>
-            </a:ext>
-          </a:extLst>
-        </p:spPr>
-      </p:pic>
       <p:sp>
         <p:nvSpPr>
           <p:cNvPr id="8" name="Datumsplatzhalter 1">
@@ -6128,17 +6729,92 @@
           </a:lstStyle>
           <a:p>
             <a:r>
-              <a:rPr lang="en-DE" dirty="0" err="1"/>
+              <a:rPr lang="de-DE" dirty="0"/>
+              <a:t>Hahn, Kleber, Klier, </a:t>
+            </a:r>
+            <a:r>
+              <a:rPr lang="de-DE" dirty="0" err="1"/>
               <a:t>Kreussel</a:t>
             </a:r>
             <a:r>
-              <a:rPr lang="en-DE" dirty="0"/>
-              <a:t>, Ziegler</a:t>
-            </a:r>
-            <a:endParaRPr lang="de-DE" dirty="0"/>
-          </a:p>
-        </p:txBody>
-      </p:sp>
+              <a:rPr lang="de-DE" dirty="0"/>
+              <a:t>, Paris, Ziegler</a:t>
+            </a:r>
+          </a:p>
+        </p:txBody>
+      </p:sp>
+      <p:pic>
+        <p:nvPicPr>
+          <p:cNvPr id="9" name="Picture 8">
+            <a:extLst>
+              <a:ext uri="{FF2B5EF4-FFF2-40B4-BE49-F238E27FC236}">
+                <a16:creationId xmlns:a16="http://schemas.microsoft.com/office/drawing/2014/main" id="{9A01639B-CD02-C4CA-A799-6882F599B050}"/>
+              </a:ext>
+            </a:extLst>
+          </p:cNvPr>
+          <p:cNvPicPr>
+            <a:picLocks noChangeAspect="1"/>
+          </p:cNvPicPr>
+          <p:nvPr/>
+        </p:nvPicPr>
+        <p:blipFill>
+          <a:blip r:embed="rId2" cstate="print">
+            <a:extLst>
+              <a:ext uri="{28A0092B-C50C-407E-A947-70E740481C1C}">
+                <a14:useLocalDpi xmlns:a14="http://schemas.microsoft.com/office/drawing/2010/main" val="0"/>
+              </a:ext>
+            </a:extLst>
+          </a:blip>
+          <a:stretch>
+            <a:fillRect/>
+          </a:stretch>
+        </p:blipFill>
+        <p:spPr>
+          <a:xfrm>
+            <a:off x="539792" y="1493811"/>
+            <a:ext cx="3278556" cy="4215285"/>
+          </a:xfrm>
+          <a:prstGeom prst="rect">
+            <a:avLst/>
+          </a:prstGeom>
+        </p:spPr>
+      </p:pic>
+      <p:pic>
+        <p:nvPicPr>
+          <p:cNvPr id="11" name="Picture 10">
+            <a:extLst>
+              <a:ext uri="{FF2B5EF4-FFF2-40B4-BE49-F238E27FC236}">
+                <a16:creationId xmlns:a16="http://schemas.microsoft.com/office/drawing/2014/main" id="{7C88F6C1-A8A1-46EF-A151-C6EF6300A50D}"/>
+              </a:ext>
+            </a:extLst>
+          </p:cNvPr>
+          <p:cNvPicPr>
+            <a:picLocks noChangeAspect="1"/>
+          </p:cNvPicPr>
+          <p:nvPr/>
+        </p:nvPicPr>
+        <p:blipFill>
+          <a:blip r:embed="rId3" cstate="print">
+            <a:extLst>
+              <a:ext uri="{28A0092B-C50C-407E-A947-70E740481C1C}">
+                <a14:useLocalDpi xmlns:a14="http://schemas.microsoft.com/office/drawing/2010/main" val="0"/>
+              </a:ext>
+            </a:extLst>
+          </a:blip>
+          <a:stretch>
+            <a:fillRect/>
+          </a:stretch>
+        </p:blipFill>
+        <p:spPr>
+          <a:xfrm>
+            <a:off x="4139952" y="1601317"/>
+            <a:ext cx="4751410" cy="3924050"/>
+          </a:xfrm>
+          <a:prstGeom prst="rect">
+            <a:avLst/>
+          </a:prstGeom>
+        </p:spPr>
+      </p:pic>
     </p:spTree>
     <p:extLst>
       <p:ext uri="{BB962C8B-B14F-4D97-AF65-F5344CB8AC3E}">
@@ -6251,11 +6927,11 @@
           <a:lstStyle/>
           <a:p>
             <a:r>
-              <a:rPr lang="de-DE" b="0" i="0" dirty="0" err="1">
+              <a:rPr lang="de-DE" b="0" i="0" dirty="0">
                 <a:effectLst/>
                 <a:latin typeface="Arial" panose="020B0604020202020204" pitchFamily="34" charset="0"/>
               </a:rPr>
-              <a:t>Graphvio</a:t>
+              <a:t>Twitter-Dash</a:t>
             </a:r>
             <a:endParaRPr lang="de-DE" dirty="0">
               <a:solidFill>
@@ -6287,23 +6963,215 @@
           <a:lstStyle/>
           <a:p>
             <a:r>
-              <a:rPr lang="en-DE" dirty="0"/>
-              <a:t>17.01.2022</a:t>
-            </a:r>
-            <a:endParaRPr lang="en-GB" dirty="0">
-              <a:solidFill>
-                <a:schemeClr val="bg1"/>
-              </a:solidFill>
-            </a:endParaRPr>
-          </a:p>
-        </p:txBody>
-      </p:sp>
-      <p:sp>
-        <p:nvSpPr>
-          <p:cNvPr id="9" name="Textfeld 8">
-            <a:extLst>
-              <a:ext uri="{FF2B5EF4-FFF2-40B4-BE49-F238E27FC236}">
-                <a16:creationId xmlns:a16="http://schemas.microsoft.com/office/drawing/2014/main" id="{782C0348-6127-4767-BBF8-C19914AE2FD5}"/>
+              <a:rPr lang="en-US" dirty="0"/>
+              <a:t>05.07.2022</a:t>
+            </a:r>
+            <a:endParaRPr lang="en-GB" dirty="0"/>
+          </a:p>
+        </p:txBody>
+      </p:sp>
+      <p:sp>
+        <p:nvSpPr>
+          <p:cNvPr id="13" name="Datumsplatzhalter 1">
+            <a:extLst>
+              <a:ext uri="{FF2B5EF4-FFF2-40B4-BE49-F238E27FC236}">
+                <a16:creationId xmlns:a16="http://schemas.microsoft.com/office/drawing/2014/main" id="{7501210F-4613-4934-9859-A7F7923DBB7D}"/>
+              </a:ext>
+            </a:extLst>
+          </p:cNvPr>
+          <p:cNvSpPr txBox="1">
+            <a:spLocks/>
+          </p:cNvSpPr>
+          <p:nvPr/>
+        </p:nvSpPr>
+        <p:spPr>
+          <a:xfrm>
+            <a:off x="3563888" y="6513414"/>
+            <a:ext cx="2232248" cy="162000"/>
+          </a:xfrm>
+          <a:prstGeom prst="rect">
+            <a:avLst/>
+          </a:prstGeom>
+        </p:spPr>
+        <p:txBody>
+          <a:bodyPr vert="horz" wrap="none" lIns="91440" tIns="45720" rIns="91440" bIns="45720" rtlCol="0" anchor="ctr"/>
+          <a:lstStyle>
+            <a:defPPr>
+              <a:defRPr lang="de-DE"/>
+            </a:defPPr>
+            <a:lvl1pPr algn="l" rtl="0" fontAlgn="base">
+              <a:spcBef>
+                <a:spcPct val="0"/>
+              </a:spcBef>
+              <a:spcAft>
+                <a:spcPct val="0"/>
+              </a:spcAft>
+              <a:defRPr sz="900" b="0" kern="1200">
+                <a:solidFill>
+                  <a:schemeClr val="bg1"/>
+                </a:solidFill>
+                <a:latin typeface="+mn-lt"/>
+                <a:ea typeface="+mn-ea"/>
+                <a:cs typeface="+mn-cs"/>
+              </a:defRPr>
+            </a:lvl1pPr>
+            <a:lvl2pPr marL="457200" algn="l" rtl="0" fontAlgn="base">
+              <a:spcBef>
+                <a:spcPct val="0"/>
+              </a:spcBef>
+              <a:spcAft>
+                <a:spcPct val="0"/>
+              </a:spcAft>
+              <a:defRPr kern="1200">
+                <a:solidFill>
+                  <a:schemeClr val="tx1"/>
+                </a:solidFill>
+                <a:latin typeface="Arial" charset="0"/>
+                <a:ea typeface="+mn-ea"/>
+                <a:cs typeface="+mn-cs"/>
+              </a:defRPr>
+            </a:lvl2pPr>
+            <a:lvl3pPr marL="914400" algn="l" rtl="0" fontAlgn="base">
+              <a:spcBef>
+                <a:spcPct val="0"/>
+              </a:spcBef>
+              <a:spcAft>
+                <a:spcPct val="0"/>
+              </a:spcAft>
+              <a:defRPr kern="1200">
+                <a:solidFill>
+                  <a:schemeClr val="tx1"/>
+                </a:solidFill>
+                <a:latin typeface="Arial" charset="0"/>
+                <a:ea typeface="+mn-ea"/>
+                <a:cs typeface="+mn-cs"/>
+              </a:defRPr>
+            </a:lvl3pPr>
+            <a:lvl4pPr marL="1371600" algn="l" rtl="0" fontAlgn="base">
+              <a:spcBef>
+                <a:spcPct val="0"/>
+              </a:spcBef>
+              <a:spcAft>
+                <a:spcPct val="0"/>
+              </a:spcAft>
+              <a:defRPr kern="1200">
+                <a:solidFill>
+                  <a:schemeClr val="tx1"/>
+                </a:solidFill>
+                <a:latin typeface="Arial" charset="0"/>
+                <a:ea typeface="+mn-ea"/>
+                <a:cs typeface="+mn-cs"/>
+              </a:defRPr>
+            </a:lvl4pPr>
+            <a:lvl5pPr marL="1828800" algn="l" rtl="0" fontAlgn="base">
+              <a:spcBef>
+                <a:spcPct val="0"/>
+              </a:spcBef>
+              <a:spcAft>
+                <a:spcPct val="0"/>
+              </a:spcAft>
+              <a:defRPr kern="1200">
+                <a:solidFill>
+                  <a:schemeClr val="tx1"/>
+                </a:solidFill>
+                <a:latin typeface="Arial" charset="0"/>
+                <a:ea typeface="+mn-ea"/>
+                <a:cs typeface="+mn-cs"/>
+              </a:defRPr>
+            </a:lvl5pPr>
+            <a:lvl6pPr marL="2286000" algn="l" defTabSz="914400" rtl="0" eaLnBrk="1" latinLnBrk="0" hangingPunct="1">
+              <a:defRPr kern="1200">
+                <a:solidFill>
+                  <a:schemeClr val="tx1"/>
+                </a:solidFill>
+                <a:latin typeface="Arial" charset="0"/>
+                <a:ea typeface="+mn-ea"/>
+                <a:cs typeface="+mn-cs"/>
+              </a:defRPr>
+            </a:lvl6pPr>
+            <a:lvl7pPr marL="2743200" algn="l" defTabSz="914400" rtl="0" eaLnBrk="1" latinLnBrk="0" hangingPunct="1">
+              <a:defRPr kern="1200">
+                <a:solidFill>
+                  <a:schemeClr val="tx1"/>
+                </a:solidFill>
+                <a:latin typeface="Arial" charset="0"/>
+                <a:ea typeface="+mn-ea"/>
+                <a:cs typeface="+mn-cs"/>
+              </a:defRPr>
+            </a:lvl7pPr>
+            <a:lvl8pPr marL="3200400" algn="l" defTabSz="914400" rtl="0" eaLnBrk="1" latinLnBrk="0" hangingPunct="1">
+              <a:defRPr kern="1200">
+                <a:solidFill>
+                  <a:schemeClr val="tx1"/>
+                </a:solidFill>
+                <a:latin typeface="Arial" charset="0"/>
+                <a:ea typeface="+mn-ea"/>
+                <a:cs typeface="+mn-cs"/>
+              </a:defRPr>
+            </a:lvl8pPr>
+            <a:lvl9pPr marL="3657600" algn="l" defTabSz="914400" rtl="0" eaLnBrk="1" latinLnBrk="0" hangingPunct="1">
+              <a:defRPr kern="1200">
+                <a:solidFill>
+                  <a:schemeClr val="tx1"/>
+                </a:solidFill>
+                <a:latin typeface="Arial" charset="0"/>
+                <a:ea typeface="+mn-ea"/>
+                <a:cs typeface="+mn-cs"/>
+              </a:defRPr>
+            </a:lvl9pPr>
+          </a:lstStyle>
+          <a:p>
+            <a:r>
+              <a:rPr lang="de-DE" dirty="0"/>
+              <a:t>Hahn, Kleber, Klier, </a:t>
+            </a:r>
+            <a:r>
+              <a:rPr lang="de-DE" dirty="0" err="1"/>
+              <a:t>Kreussel</a:t>
+            </a:r>
+            <a:r>
+              <a:rPr lang="de-DE" dirty="0"/>
+              <a:t>, Paris, Ziegler</a:t>
+            </a:r>
+          </a:p>
+        </p:txBody>
+      </p:sp>
+      <p:pic>
+        <p:nvPicPr>
+          <p:cNvPr id="16" name="Picture 15">
+            <a:extLst>
+              <a:ext uri="{FF2B5EF4-FFF2-40B4-BE49-F238E27FC236}">
+                <a16:creationId xmlns:a16="http://schemas.microsoft.com/office/drawing/2014/main" id="{0B2317F2-609A-2CD0-3B0B-9A0CBD3381EF}"/>
+              </a:ext>
+            </a:extLst>
+          </p:cNvPr>
+          <p:cNvPicPr>
+            <a:picLocks noChangeAspect="1"/>
+          </p:cNvPicPr>
+          <p:nvPr/>
+        </p:nvPicPr>
+        <p:blipFill>
+          <a:blip r:embed="rId2"/>
+          <a:stretch>
+            <a:fillRect/>
+          </a:stretch>
+        </p:blipFill>
+        <p:spPr>
+          <a:xfrm>
+            <a:off x="245622" y="2408362"/>
+            <a:ext cx="4010461" cy="1999614"/>
+          </a:xfrm>
+          <a:prstGeom prst="rect">
+            <a:avLst/>
+          </a:prstGeom>
+        </p:spPr>
+      </p:pic>
+      <p:sp>
+        <p:nvSpPr>
+          <p:cNvPr id="21" name="TextBox 20">
+            <a:extLst>
+              <a:ext uri="{FF2B5EF4-FFF2-40B4-BE49-F238E27FC236}">
+                <a16:creationId xmlns:a16="http://schemas.microsoft.com/office/drawing/2014/main" id="{5BCE541F-0661-D8C0-1646-78FA12220BE7}"/>
               </a:ext>
             </a:extLst>
           </p:cNvPr>
@@ -6312,8 +7180,8 @@
         </p:nvSpPr>
         <p:spPr>
           <a:xfrm>
-            <a:off x="512290" y="1206173"/>
-            <a:ext cx="4572000" cy="369332"/>
+            <a:off x="4572000" y="1990965"/>
+            <a:ext cx="4132209" cy="369332"/>
           </a:xfrm>
           <a:prstGeom prst="rect">
             <a:avLst/>
@@ -6321,41 +7189,60 @@
           <a:noFill/>
         </p:spPr>
         <p:txBody>
-          <a:bodyPr wrap="square">
+          <a:bodyPr wrap="square" rtlCol="0">
             <a:spAutoFit/>
           </a:bodyPr>
           <a:lstStyle/>
           <a:p>
             <a:r>
-              <a:rPr lang="de-DE" b="0" i="0" dirty="0">
-                <a:effectLst/>
-                <a:latin typeface="Arial" panose="020B0604020202020204" pitchFamily="34" charset="0"/>
-              </a:rPr>
-              <a:t>B</a:t>
-            </a:r>
-            <a:r>
-              <a:rPr lang="en-DE" b="0" i="0" dirty="0" err="1">
-                <a:effectLst/>
-                <a:latin typeface="Arial" panose="020B0604020202020204" pitchFamily="34" charset="0"/>
-              </a:rPr>
-              <a:t>ackend</a:t>
-            </a:r>
-            <a:r>
-              <a:rPr lang="en-DE" b="0" i="0" dirty="0">
-                <a:effectLst/>
-                <a:latin typeface="Arial" panose="020B0604020202020204" pitchFamily="34" charset="0"/>
-              </a:rPr>
-              <a:t>:</a:t>
+              <a:rPr lang="de-DE" dirty="0" err="1"/>
+              <a:t>Conductor</a:t>
+            </a:r>
+            <a:endParaRPr lang="de-DE" dirty="0"/>
+          </a:p>
+        </p:txBody>
+      </p:sp>
+      <p:sp>
+        <p:nvSpPr>
+          <p:cNvPr id="23" name="TextBox 22">
+            <a:extLst>
+              <a:ext uri="{FF2B5EF4-FFF2-40B4-BE49-F238E27FC236}">
+                <a16:creationId xmlns:a16="http://schemas.microsoft.com/office/drawing/2014/main" id="{6260B7F8-C2C5-0F86-DFB1-03ACC5B43462}"/>
+              </a:ext>
+            </a:extLst>
+          </p:cNvPr>
+          <p:cNvSpPr txBox="1"/>
+          <p:nvPr/>
+        </p:nvSpPr>
+        <p:spPr>
+          <a:xfrm>
+            <a:off x="397484" y="1996407"/>
+            <a:ext cx="4132209" cy="369332"/>
+          </a:xfrm>
+          <a:prstGeom prst="rect">
+            <a:avLst/>
+          </a:prstGeom>
+          <a:noFill/>
+        </p:spPr>
+        <p:txBody>
+          <a:bodyPr wrap="square" rtlCol="0">
+            <a:spAutoFit/>
+          </a:bodyPr>
+          <a:lstStyle/>
+          <a:p>
+            <a:r>
+              <a:rPr lang="de-DE" dirty="0"/>
+              <a:t>Database</a:t>
             </a:r>
           </a:p>
         </p:txBody>
       </p:sp>
       <p:pic>
         <p:nvPicPr>
-          <p:cNvPr id="1026" name="Picture 2">
-            <a:extLst>
-              <a:ext uri="{FF2B5EF4-FFF2-40B4-BE49-F238E27FC236}">
-                <a16:creationId xmlns:a16="http://schemas.microsoft.com/office/drawing/2014/main" id="{F95B2FC8-6FE7-4989-872A-716400169600}"/>
+          <p:cNvPr id="1034" name="Picture 10">
+            <a:extLst>
+              <a:ext uri="{FF2B5EF4-FFF2-40B4-BE49-F238E27FC236}">
+                <a16:creationId xmlns:a16="http://schemas.microsoft.com/office/drawing/2014/main" id="{3F34B755-18B5-EF5A-423F-EC2867812E0E}"/>
               </a:ext>
             </a:extLst>
           </p:cNvPr>
@@ -6365,7 +7252,7 @@
           <p:nvPr/>
         </p:nvPicPr>
         <p:blipFill>
-          <a:blip r:embed="rId2">
+          <a:blip r:embed="rId3">
             <a:extLst>
               <a:ext uri="{28A0092B-C50C-407E-A947-70E740481C1C}">
                 <a14:useLocalDpi xmlns:a14="http://schemas.microsoft.com/office/drawing/2010/main" val="0"/>
@@ -6379,8 +7266,8 @@
         </p:blipFill>
         <p:spPr bwMode="auto">
           <a:xfrm>
-            <a:off x="535930" y="4941168"/>
-            <a:ext cx="5514975" cy="1162050"/>
+            <a:off x="4550455" y="2274983"/>
+            <a:ext cx="4364527" cy="2325894"/>
           </a:xfrm>
           <a:prstGeom prst="rect">
             <a:avLst/>
@@ -6397,268 +7284,6 @@
           </a:extLst>
         </p:spPr>
       </p:pic>
-      <p:sp>
-        <p:nvSpPr>
-          <p:cNvPr id="11" name="Textfeld 10">
-            <a:extLst>
-              <a:ext uri="{FF2B5EF4-FFF2-40B4-BE49-F238E27FC236}">
-                <a16:creationId xmlns:a16="http://schemas.microsoft.com/office/drawing/2014/main" id="{33F32B44-BD33-48E7-BE84-F813A0C0EE3E}"/>
-              </a:ext>
-            </a:extLst>
-          </p:cNvPr>
-          <p:cNvSpPr txBox="1"/>
-          <p:nvPr/>
-        </p:nvSpPr>
-        <p:spPr>
-          <a:xfrm>
-            <a:off x="502902" y="4331004"/>
-            <a:ext cx="4572000" cy="369332"/>
-          </a:xfrm>
-          <a:prstGeom prst="rect">
-            <a:avLst/>
-          </a:prstGeom>
-          <a:noFill/>
-        </p:spPr>
-        <p:txBody>
-          <a:bodyPr wrap="square">
-            <a:spAutoFit/>
-          </a:bodyPr>
-          <a:lstStyle/>
-          <a:p>
-            <a:r>
-              <a:rPr lang="de-DE" b="0" i="0" dirty="0">
-                <a:effectLst/>
-                <a:latin typeface="Arial" panose="020B0604020202020204" pitchFamily="34" charset="0"/>
-              </a:rPr>
-              <a:t>F</a:t>
-            </a:r>
-            <a:r>
-              <a:rPr lang="en-DE" b="0" i="0" dirty="0" err="1">
-                <a:effectLst/>
-                <a:latin typeface="Arial" panose="020B0604020202020204" pitchFamily="34" charset="0"/>
-              </a:rPr>
-              <a:t>rontend</a:t>
-            </a:r>
-            <a:r>
-              <a:rPr lang="en-DE" b="0" i="0" dirty="0">
-                <a:effectLst/>
-                <a:latin typeface="Arial" panose="020B0604020202020204" pitchFamily="34" charset="0"/>
-              </a:rPr>
-              <a:t>:</a:t>
-            </a:r>
-          </a:p>
-        </p:txBody>
-      </p:sp>
-      <p:pic>
-        <p:nvPicPr>
-          <p:cNvPr id="1028" name="Picture 4">
-            <a:extLst>
-              <a:ext uri="{FF2B5EF4-FFF2-40B4-BE49-F238E27FC236}">
-                <a16:creationId xmlns:a16="http://schemas.microsoft.com/office/drawing/2014/main" id="{A980CCEE-AB66-4672-8742-2EE95E2242AD}"/>
-              </a:ext>
-            </a:extLst>
-          </p:cNvPr>
-          <p:cNvPicPr>
-            <a:picLocks noChangeAspect="1" noChangeArrowheads="1"/>
-          </p:cNvPicPr>
-          <p:nvPr/>
-        </p:nvPicPr>
-        <p:blipFill>
-          <a:blip r:embed="rId3">
-            <a:extLst>
-              <a:ext uri="{28A0092B-C50C-407E-A947-70E740481C1C}">
-                <a14:useLocalDpi xmlns:a14="http://schemas.microsoft.com/office/drawing/2010/main" val="0"/>
-              </a:ext>
-            </a:extLst>
-          </a:blip>
-          <a:srcRect/>
-          <a:stretch>
-            <a:fillRect/>
-          </a:stretch>
-        </p:blipFill>
-        <p:spPr bwMode="auto">
-          <a:xfrm>
-            <a:off x="517096" y="1713857"/>
-            <a:ext cx="7410450" cy="2581275"/>
-          </a:xfrm>
-          <a:prstGeom prst="rect">
-            <a:avLst/>
-          </a:prstGeom>
-          <a:noFill/>
-          <a:extLst>
-            <a:ext uri="{909E8E84-426E-40DD-AFC4-6F175D3DCCD1}">
-              <a14:hiddenFill xmlns:a14="http://schemas.microsoft.com/office/drawing/2010/main">
-                <a:solidFill>
-                  <a:srgbClr val="FFFFFF"/>
-                </a:solidFill>
-              </a14:hiddenFill>
-            </a:ext>
-          </a:extLst>
-        </p:spPr>
-      </p:pic>
-      <p:sp>
-        <p:nvSpPr>
-          <p:cNvPr id="13" name="Datumsplatzhalter 1">
-            <a:extLst>
-              <a:ext uri="{FF2B5EF4-FFF2-40B4-BE49-F238E27FC236}">
-                <a16:creationId xmlns:a16="http://schemas.microsoft.com/office/drawing/2014/main" id="{7501210F-4613-4934-9859-A7F7923DBB7D}"/>
-              </a:ext>
-            </a:extLst>
-          </p:cNvPr>
-          <p:cNvSpPr txBox="1">
-            <a:spLocks/>
-          </p:cNvSpPr>
-          <p:nvPr/>
-        </p:nvSpPr>
-        <p:spPr>
-          <a:xfrm>
-            <a:off x="3563888" y="6513414"/>
-            <a:ext cx="2232248" cy="162000"/>
-          </a:xfrm>
-          <a:prstGeom prst="rect">
-            <a:avLst/>
-          </a:prstGeom>
-        </p:spPr>
-        <p:txBody>
-          <a:bodyPr vert="horz" wrap="none" lIns="91440" tIns="45720" rIns="91440" bIns="45720" rtlCol="0" anchor="ctr"/>
-          <a:lstStyle>
-            <a:defPPr>
-              <a:defRPr lang="de-DE"/>
-            </a:defPPr>
-            <a:lvl1pPr algn="l" rtl="0" fontAlgn="base">
-              <a:spcBef>
-                <a:spcPct val="0"/>
-              </a:spcBef>
-              <a:spcAft>
-                <a:spcPct val="0"/>
-              </a:spcAft>
-              <a:defRPr sz="900" b="0" kern="1200">
-                <a:solidFill>
-                  <a:schemeClr val="bg1"/>
-                </a:solidFill>
-                <a:latin typeface="+mn-lt"/>
-                <a:ea typeface="+mn-ea"/>
-                <a:cs typeface="+mn-cs"/>
-              </a:defRPr>
-            </a:lvl1pPr>
-            <a:lvl2pPr marL="457200" algn="l" rtl="0" fontAlgn="base">
-              <a:spcBef>
-                <a:spcPct val="0"/>
-              </a:spcBef>
-              <a:spcAft>
-                <a:spcPct val="0"/>
-              </a:spcAft>
-              <a:defRPr kern="1200">
-                <a:solidFill>
-                  <a:schemeClr val="tx1"/>
-                </a:solidFill>
-                <a:latin typeface="Arial" charset="0"/>
-                <a:ea typeface="+mn-ea"/>
-                <a:cs typeface="+mn-cs"/>
-              </a:defRPr>
-            </a:lvl2pPr>
-            <a:lvl3pPr marL="914400" algn="l" rtl="0" fontAlgn="base">
-              <a:spcBef>
-                <a:spcPct val="0"/>
-              </a:spcBef>
-              <a:spcAft>
-                <a:spcPct val="0"/>
-              </a:spcAft>
-              <a:defRPr kern="1200">
-                <a:solidFill>
-                  <a:schemeClr val="tx1"/>
-                </a:solidFill>
-                <a:latin typeface="Arial" charset="0"/>
-                <a:ea typeface="+mn-ea"/>
-                <a:cs typeface="+mn-cs"/>
-              </a:defRPr>
-            </a:lvl3pPr>
-            <a:lvl4pPr marL="1371600" algn="l" rtl="0" fontAlgn="base">
-              <a:spcBef>
-                <a:spcPct val="0"/>
-              </a:spcBef>
-              <a:spcAft>
-                <a:spcPct val="0"/>
-              </a:spcAft>
-              <a:defRPr kern="1200">
-                <a:solidFill>
-                  <a:schemeClr val="tx1"/>
-                </a:solidFill>
-                <a:latin typeface="Arial" charset="0"/>
-                <a:ea typeface="+mn-ea"/>
-                <a:cs typeface="+mn-cs"/>
-              </a:defRPr>
-            </a:lvl4pPr>
-            <a:lvl5pPr marL="1828800" algn="l" rtl="0" fontAlgn="base">
-              <a:spcBef>
-                <a:spcPct val="0"/>
-              </a:spcBef>
-              <a:spcAft>
-                <a:spcPct val="0"/>
-              </a:spcAft>
-              <a:defRPr kern="1200">
-                <a:solidFill>
-                  <a:schemeClr val="tx1"/>
-                </a:solidFill>
-                <a:latin typeface="Arial" charset="0"/>
-                <a:ea typeface="+mn-ea"/>
-                <a:cs typeface="+mn-cs"/>
-              </a:defRPr>
-            </a:lvl5pPr>
-            <a:lvl6pPr marL="2286000" algn="l" defTabSz="914400" rtl="0" eaLnBrk="1" latinLnBrk="0" hangingPunct="1">
-              <a:defRPr kern="1200">
-                <a:solidFill>
-                  <a:schemeClr val="tx1"/>
-                </a:solidFill>
-                <a:latin typeface="Arial" charset="0"/>
-                <a:ea typeface="+mn-ea"/>
-                <a:cs typeface="+mn-cs"/>
-              </a:defRPr>
-            </a:lvl6pPr>
-            <a:lvl7pPr marL="2743200" algn="l" defTabSz="914400" rtl="0" eaLnBrk="1" latinLnBrk="0" hangingPunct="1">
-              <a:defRPr kern="1200">
-                <a:solidFill>
-                  <a:schemeClr val="tx1"/>
-                </a:solidFill>
-                <a:latin typeface="Arial" charset="0"/>
-                <a:ea typeface="+mn-ea"/>
-                <a:cs typeface="+mn-cs"/>
-              </a:defRPr>
-            </a:lvl7pPr>
-            <a:lvl8pPr marL="3200400" algn="l" defTabSz="914400" rtl="0" eaLnBrk="1" latinLnBrk="0" hangingPunct="1">
-              <a:defRPr kern="1200">
-                <a:solidFill>
-                  <a:schemeClr val="tx1"/>
-                </a:solidFill>
-                <a:latin typeface="Arial" charset="0"/>
-                <a:ea typeface="+mn-ea"/>
-                <a:cs typeface="+mn-cs"/>
-              </a:defRPr>
-            </a:lvl8pPr>
-            <a:lvl9pPr marL="3657600" algn="l" defTabSz="914400" rtl="0" eaLnBrk="1" latinLnBrk="0" hangingPunct="1">
-              <a:defRPr kern="1200">
-                <a:solidFill>
-                  <a:schemeClr val="tx1"/>
-                </a:solidFill>
-                <a:latin typeface="Arial" charset="0"/>
-                <a:ea typeface="+mn-ea"/>
-                <a:cs typeface="+mn-cs"/>
-              </a:defRPr>
-            </a:lvl9pPr>
-          </a:lstStyle>
-          <a:p>
-            <a:r>
-              <a:rPr lang="en-DE" dirty="0" err="1"/>
-              <a:t>Kreussel</a:t>
-            </a:r>
-            <a:r>
-              <a:rPr lang="en-DE" dirty="0"/>
-              <a:t>, Ziegler</a:t>
-            </a:r>
-            <a:endParaRPr lang="de-DE" dirty="0"/>
-          </a:p>
-        </p:txBody>
-      </p:sp>
     </p:spTree>
     <p:extLst>
       <p:ext uri="{BB962C8B-B14F-4D97-AF65-F5344CB8AC3E}">
@@ -6694,7 +7319,7 @@
           <p:cNvPr id="2" name="Titel 1">
             <a:extLst>
               <a:ext uri="{FF2B5EF4-FFF2-40B4-BE49-F238E27FC236}">
-                <a16:creationId xmlns:a16="http://schemas.microsoft.com/office/drawing/2014/main" id="{74D8A47A-1A55-44CE-A2AD-17EC386BDEBE}"/>
+                <a16:creationId xmlns:a16="http://schemas.microsoft.com/office/drawing/2014/main" id="{E4F4D65E-2EB3-469C-835B-259A16FF6B48}"/>
               </a:ext>
             </a:extLst>
           </p:cNvPr>
@@ -6712,7 +7337,7 @@
           <a:p>
             <a:r>
               <a:rPr lang="en-DE" dirty="0" err="1"/>
-              <a:t>Anwendung</a:t>
+              <a:t>Testabdeckung</a:t>
             </a:r>
             <a:endParaRPr lang="de-DE" dirty="0"/>
           </a:p>
@@ -6723,7 +7348,7 @@
           <p:cNvPr id="3" name="Foliennummernplatzhalter 2">
             <a:extLst>
               <a:ext uri="{FF2B5EF4-FFF2-40B4-BE49-F238E27FC236}">
-                <a16:creationId xmlns:a16="http://schemas.microsoft.com/office/drawing/2014/main" id="{62975FD5-F5B5-4706-880B-DBBCA2F9C27A}"/>
+                <a16:creationId xmlns:a16="http://schemas.microsoft.com/office/drawing/2014/main" id="{F9A55B8F-B1EE-4C98-8300-3D22ABCDDA9C}"/>
               </a:ext>
             </a:extLst>
           </p:cNvPr>
@@ -6754,7 +7379,7 @@
           <p:cNvPr id="4" name="Fußzeilenplatzhalter 3">
             <a:extLst>
               <a:ext uri="{FF2B5EF4-FFF2-40B4-BE49-F238E27FC236}">
-                <a16:creationId xmlns:a16="http://schemas.microsoft.com/office/drawing/2014/main" id="{B5883D3D-9B7D-4A33-90D9-66601485239B}"/>
+                <a16:creationId xmlns:a16="http://schemas.microsoft.com/office/drawing/2014/main" id="{1C8CA2B4-E097-4CEB-BFAB-0BD75137575C}"/>
               </a:ext>
             </a:extLst>
           </p:cNvPr>
@@ -6771,11 +7396,11 @@
           <a:lstStyle/>
           <a:p>
             <a:r>
-              <a:rPr lang="de-DE" b="0" i="0" dirty="0" err="1">
+              <a:rPr lang="de-DE" b="0" i="0" dirty="0">
                 <a:effectLst/>
                 <a:latin typeface="Arial" panose="020B0604020202020204" pitchFamily="34" charset="0"/>
               </a:rPr>
-              <a:t>Graphvio</a:t>
+              <a:t>Twitter-Dash</a:t>
             </a:r>
             <a:endParaRPr lang="de-DE" dirty="0">
               <a:solidFill>
@@ -6790,7 +7415,7 @@
           <p:cNvPr id="5" name="Datumsplatzhalter 4">
             <a:extLst>
               <a:ext uri="{FF2B5EF4-FFF2-40B4-BE49-F238E27FC236}">
-                <a16:creationId xmlns:a16="http://schemas.microsoft.com/office/drawing/2014/main" id="{4547C540-2968-4C45-944A-192AAAE5A34C}"/>
+                <a16:creationId xmlns:a16="http://schemas.microsoft.com/office/drawing/2014/main" id="{300873DE-1B20-4FAA-9843-96AAF73A6B36}"/>
               </a:ext>
             </a:extLst>
           </p:cNvPr>
@@ -6807,53 +7432,19 @@
           <a:lstStyle/>
           <a:p>
             <a:r>
-              <a:rPr lang="en-DE" dirty="0"/>
-              <a:t>17.01.2022</a:t>
-            </a:r>
-            <a:endParaRPr lang="en-GB" dirty="0">
-              <a:solidFill>
-                <a:schemeClr val="bg1"/>
-              </a:solidFill>
-            </a:endParaRPr>
-          </a:p>
-        </p:txBody>
-      </p:sp>
-      <p:pic>
-        <p:nvPicPr>
-          <p:cNvPr id="8" name="Grafik 7">
-            <a:extLst>
-              <a:ext uri="{FF2B5EF4-FFF2-40B4-BE49-F238E27FC236}">
-                <a16:creationId xmlns:a16="http://schemas.microsoft.com/office/drawing/2014/main" id="{38EF9A9B-A12E-487B-886A-602ED729470F}"/>
-              </a:ext>
-            </a:extLst>
-          </p:cNvPr>
-          <p:cNvPicPr>
-            <a:picLocks noChangeAspect="1"/>
-          </p:cNvPicPr>
-          <p:nvPr/>
-        </p:nvPicPr>
-        <p:blipFill>
-          <a:blip r:embed="rId2"/>
-          <a:stretch>
-            <a:fillRect/>
-          </a:stretch>
-        </p:blipFill>
-        <p:spPr>
-          <a:xfrm>
-            <a:off x="0" y="1484784"/>
-            <a:ext cx="9144000" cy="4775641"/>
-          </a:xfrm>
-          <a:prstGeom prst="rect">
-            <a:avLst/>
-          </a:prstGeom>
-        </p:spPr>
-      </p:pic>
-      <p:sp>
-        <p:nvSpPr>
-          <p:cNvPr id="9" name="Datumsplatzhalter 1">
-            <a:extLst>
-              <a:ext uri="{FF2B5EF4-FFF2-40B4-BE49-F238E27FC236}">
-                <a16:creationId xmlns:a16="http://schemas.microsoft.com/office/drawing/2014/main" id="{5C641C42-2AE8-4216-8895-DDFE3834FEEE}"/>
+              <a:rPr lang="en-US" dirty="0"/>
+              <a:t>05.07.2022</a:t>
+            </a:r>
+            <a:endParaRPr lang="en-GB" dirty="0"/>
+          </a:p>
+        </p:txBody>
+      </p:sp>
+      <p:sp>
+        <p:nvSpPr>
+          <p:cNvPr id="13" name="Datumsplatzhalter 1">
+            <a:extLst>
+              <a:ext uri="{FF2B5EF4-FFF2-40B4-BE49-F238E27FC236}">
+                <a16:creationId xmlns:a16="http://schemas.microsoft.com/office/drawing/2014/main" id="{7501210F-4613-4934-9859-A7F7923DBB7D}"/>
               </a:ext>
             </a:extLst>
           </p:cNvPr>
@@ -7000,12 +7591,262 @@
           </a:lstStyle>
           <a:p>
             <a:r>
-              <a:rPr lang="en-DE" dirty="0" err="1"/>
+              <a:rPr lang="de-DE" dirty="0"/>
+              <a:t>Hahn, Kleber, Klier, </a:t>
+            </a:r>
+            <a:r>
+              <a:rPr lang="de-DE" dirty="0" err="1"/>
               <a:t>Kreussel</a:t>
             </a:r>
             <a:r>
-              <a:rPr lang="en-DE" dirty="0"/>
-              <a:t>, Ziegler</a:t>
+              <a:rPr lang="de-DE" dirty="0"/>
+              <a:t>, Paris, Ziegler</a:t>
+            </a:r>
+          </a:p>
+        </p:txBody>
+      </p:sp>
+      <p:pic>
+        <p:nvPicPr>
+          <p:cNvPr id="7" name="Picture 2">
+            <a:extLst>
+              <a:ext uri="{FF2B5EF4-FFF2-40B4-BE49-F238E27FC236}">
+                <a16:creationId xmlns:a16="http://schemas.microsoft.com/office/drawing/2014/main" id="{E9D2AB60-646A-7F86-6BE4-76ABEB5F1AE6}"/>
+              </a:ext>
+            </a:extLst>
+          </p:cNvPr>
+          <p:cNvPicPr>
+            <a:picLocks noChangeAspect="1" noChangeArrowheads="1"/>
+          </p:cNvPicPr>
+          <p:nvPr/>
+        </p:nvPicPr>
+        <p:blipFill>
+          <a:blip r:embed="rId2" cstate="print">
+            <a:extLst>
+              <a:ext uri="{28A0092B-C50C-407E-A947-70E740481C1C}">
+                <a14:useLocalDpi xmlns:a14="http://schemas.microsoft.com/office/drawing/2010/main" val="0"/>
+              </a:ext>
+            </a:extLst>
+          </a:blip>
+          <a:srcRect/>
+          <a:stretch>
+            <a:fillRect/>
+          </a:stretch>
+        </p:blipFill>
+        <p:spPr bwMode="auto">
+          <a:xfrm>
+            <a:off x="136317" y="1328861"/>
+            <a:ext cx="4145579" cy="2100139"/>
+          </a:xfrm>
+          <a:prstGeom prst="rect">
+            <a:avLst/>
+          </a:prstGeom>
+          <a:noFill/>
+          <a:extLst>
+            <a:ext uri="{909E8E84-426E-40DD-AFC4-6F175D3DCCD1}">
+              <a14:hiddenFill xmlns:a14="http://schemas.microsoft.com/office/drawing/2010/main">
+                <a:solidFill>
+                  <a:srgbClr val="FFFFFF"/>
+                </a:solidFill>
+              </a14:hiddenFill>
+            </a:ext>
+          </a:extLst>
+        </p:spPr>
+      </p:pic>
+      <p:pic>
+        <p:nvPicPr>
+          <p:cNvPr id="8" name="Picture 4">
+            <a:extLst>
+              <a:ext uri="{FF2B5EF4-FFF2-40B4-BE49-F238E27FC236}">
+                <a16:creationId xmlns:a16="http://schemas.microsoft.com/office/drawing/2014/main" id="{AE36AF46-13DF-77A4-44D5-A03872B5011E}"/>
+              </a:ext>
+            </a:extLst>
+          </p:cNvPr>
+          <p:cNvPicPr>
+            <a:picLocks noChangeAspect="1" noChangeArrowheads="1"/>
+          </p:cNvPicPr>
+          <p:nvPr/>
+        </p:nvPicPr>
+        <p:blipFill>
+          <a:blip r:embed="rId3" cstate="print">
+            <a:extLst>
+              <a:ext uri="{28A0092B-C50C-407E-A947-70E740481C1C}">
+                <a14:useLocalDpi xmlns:a14="http://schemas.microsoft.com/office/drawing/2010/main" val="0"/>
+              </a:ext>
+            </a:extLst>
+          </a:blip>
+          <a:srcRect/>
+          <a:stretch>
+            <a:fillRect/>
+          </a:stretch>
+        </p:blipFill>
+        <p:spPr bwMode="auto">
+          <a:xfrm>
+            <a:off x="4527386" y="1328860"/>
+            <a:ext cx="4480297" cy="2100139"/>
+          </a:xfrm>
+          <a:prstGeom prst="rect">
+            <a:avLst/>
+          </a:prstGeom>
+          <a:noFill/>
+          <a:extLst>
+            <a:ext uri="{909E8E84-426E-40DD-AFC4-6F175D3DCCD1}">
+              <a14:hiddenFill xmlns:a14="http://schemas.microsoft.com/office/drawing/2010/main">
+                <a:solidFill>
+                  <a:srgbClr val="FFFFFF"/>
+                </a:solidFill>
+              </a14:hiddenFill>
+            </a:ext>
+          </a:extLst>
+        </p:spPr>
+      </p:pic>
+      <p:sp>
+        <p:nvSpPr>
+          <p:cNvPr id="10" name="TextBox 9">
+            <a:extLst>
+              <a:ext uri="{FF2B5EF4-FFF2-40B4-BE49-F238E27FC236}">
+                <a16:creationId xmlns:a16="http://schemas.microsoft.com/office/drawing/2014/main" id="{F04A566F-4EF9-7E2D-ACCD-A7F708AB2891}"/>
+              </a:ext>
+            </a:extLst>
+          </p:cNvPr>
+          <p:cNvSpPr txBox="1"/>
+          <p:nvPr/>
+        </p:nvSpPr>
+        <p:spPr>
+          <a:xfrm>
+            <a:off x="93747" y="952030"/>
+            <a:ext cx="4132209" cy="369332"/>
+          </a:xfrm>
+          <a:prstGeom prst="rect">
+            <a:avLst/>
+          </a:prstGeom>
+          <a:noFill/>
+        </p:spPr>
+        <p:txBody>
+          <a:bodyPr wrap="square" rtlCol="0">
+            <a:spAutoFit/>
+          </a:bodyPr>
+          <a:lstStyle/>
+          <a:p>
+            <a:r>
+              <a:rPr lang="de-DE" dirty="0"/>
+              <a:t>Sentiment</a:t>
+            </a:r>
+          </a:p>
+        </p:txBody>
+      </p:sp>
+      <p:sp>
+        <p:nvSpPr>
+          <p:cNvPr id="14" name="TextBox 13">
+            <a:extLst>
+              <a:ext uri="{FF2B5EF4-FFF2-40B4-BE49-F238E27FC236}">
+                <a16:creationId xmlns:a16="http://schemas.microsoft.com/office/drawing/2014/main" id="{0381D7A2-CAE4-3F54-4EB5-E1627973DA23}"/>
+              </a:ext>
+            </a:extLst>
+          </p:cNvPr>
+          <p:cNvSpPr txBox="1"/>
+          <p:nvPr/>
+        </p:nvSpPr>
+        <p:spPr>
+          <a:xfrm>
+            <a:off x="4527386" y="865032"/>
+            <a:ext cx="3923928" cy="369332"/>
+          </a:xfrm>
+          <a:prstGeom prst="rect">
+            <a:avLst/>
+          </a:prstGeom>
+          <a:noFill/>
+        </p:spPr>
+        <p:txBody>
+          <a:bodyPr wrap="square" rtlCol="0">
+            <a:spAutoFit/>
+          </a:bodyPr>
+          <a:lstStyle/>
+          <a:p>
+            <a:r>
+              <a:rPr lang="de-DE" dirty="0"/>
+              <a:t>Trendservice</a:t>
+            </a:r>
+          </a:p>
+        </p:txBody>
+      </p:sp>
+      <p:pic>
+        <p:nvPicPr>
+          <p:cNvPr id="1030" name="Picture 6">
+            <a:extLst>
+              <a:ext uri="{FF2B5EF4-FFF2-40B4-BE49-F238E27FC236}">
+                <a16:creationId xmlns:a16="http://schemas.microsoft.com/office/drawing/2014/main" id="{1D2B55EB-0976-C2E7-8F65-1911DC4983D6}"/>
+              </a:ext>
+            </a:extLst>
+          </p:cNvPr>
+          <p:cNvPicPr>
+            <a:picLocks noChangeAspect="1" noChangeArrowheads="1"/>
+          </p:cNvPicPr>
+          <p:nvPr/>
+        </p:nvPicPr>
+        <p:blipFill>
+          <a:blip r:embed="rId4" cstate="print">
+            <a:extLst>
+              <a:ext uri="{28A0092B-C50C-407E-A947-70E740481C1C}">
+                <a14:useLocalDpi xmlns:a14="http://schemas.microsoft.com/office/drawing/2010/main" val="0"/>
+              </a:ext>
+            </a:extLst>
+          </a:blip>
+          <a:srcRect/>
+          <a:stretch>
+            <a:fillRect/>
+          </a:stretch>
+        </p:blipFill>
+        <p:spPr bwMode="auto">
+          <a:xfrm>
+            <a:off x="2367945" y="4260164"/>
+            <a:ext cx="4437618" cy="2082445"/>
+          </a:xfrm>
+          <a:prstGeom prst="rect">
+            <a:avLst/>
+          </a:prstGeom>
+          <a:noFill/>
+          <a:extLst>
+            <a:ext uri="{909E8E84-426E-40DD-AFC4-6F175D3DCCD1}">
+              <a14:hiddenFill xmlns:a14="http://schemas.microsoft.com/office/drawing/2010/main">
+                <a:solidFill>
+                  <a:srgbClr val="FFFFFF"/>
+                </a:solidFill>
+              </a14:hiddenFill>
+            </a:ext>
+          </a:extLst>
+        </p:spPr>
+      </p:pic>
+      <p:sp>
+        <p:nvSpPr>
+          <p:cNvPr id="21" name="TextBox 20">
+            <a:extLst>
+              <a:ext uri="{FF2B5EF4-FFF2-40B4-BE49-F238E27FC236}">
+                <a16:creationId xmlns:a16="http://schemas.microsoft.com/office/drawing/2014/main" id="{5BCE541F-0661-D8C0-1646-78FA12220BE7}"/>
+              </a:ext>
+            </a:extLst>
+          </p:cNvPr>
+          <p:cNvSpPr txBox="1"/>
+          <p:nvPr/>
+        </p:nvSpPr>
+        <p:spPr>
+          <a:xfrm>
+            <a:off x="2339752" y="3781498"/>
+            <a:ext cx="4132209" cy="369332"/>
+          </a:xfrm>
+          <a:prstGeom prst="rect">
+            <a:avLst/>
+          </a:prstGeom>
+          <a:noFill/>
+        </p:spPr>
+        <p:txBody>
+          <a:bodyPr wrap="square" rtlCol="0">
+            <a:spAutoFit/>
+          </a:bodyPr>
+          <a:lstStyle/>
+          <a:p>
+            <a:r>
+              <a:rPr lang="de-DE" dirty="0" err="1"/>
+              <a:t>Twint</a:t>
             </a:r>
             <a:endParaRPr lang="de-DE" dirty="0"/>
           </a:p>
@@ -7014,7 +7855,7 @@
     </p:spTree>
     <p:extLst>
       <p:ext uri="{BB962C8B-B14F-4D97-AF65-F5344CB8AC3E}">
-        <p14:creationId xmlns:p14="http://schemas.microsoft.com/office/powerpoint/2010/main" val="2547494669"/>
+        <p14:creationId xmlns:p14="http://schemas.microsoft.com/office/powerpoint/2010/main" val="986951982"/>
       </p:ext>
     </p:extLst>
   </p:cSld>
@@ -7128,11 +7969,11 @@
           <a:lstStyle/>
           <a:p>
             <a:r>
-              <a:rPr lang="de-DE" b="0" i="0">
+              <a:rPr lang="de-DE" b="0" i="0" dirty="0">
                 <a:effectLst/>
                 <a:latin typeface="Arial" panose="020B0604020202020204" pitchFamily="34" charset="0"/>
               </a:rPr>
-              <a:t>Graphvio</a:t>
+              <a:t>Twitter-Dash</a:t>
             </a:r>
             <a:endParaRPr lang="de-DE" dirty="0">
               <a:solidFill>
@@ -7164,8 +8005,8 @@
           <a:lstStyle/>
           <a:p>
             <a:r>
-              <a:rPr lang="en-DE"/>
-              <a:t>17.01.2022</a:t>
+              <a:rPr lang="en-US" dirty="0"/>
+              <a:t>05.07.2022</a:t>
             </a:r>
             <a:endParaRPr lang="en-GB" dirty="0">
               <a:solidFill>
@@ -7327,12 +8168,53 @@
           </a:lstStyle>
           <a:p>
             <a:r>
-              <a:rPr lang="en-DE" dirty="0" err="1"/>
+              <a:rPr lang="de-DE" dirty="0"/>
+              <a:t>Hahn, Kleber, Klier, </a:t>
+            </a:r>
+            <a:r>
+              <a:rPr lang="de-DE" dirty="0" err="1"/>
               <a:t>Kreussel</a:t>
             </a:r>
             <a:r>
-              <a:rPr lang="en-DE" dirty="0"/>
-              <a:t>, Ziegler</a:t>
+              <a:rPr lang="de-DE" dirty="0"/>
+              <a:t>, Paris, Ziegler</a:t>
+            </a:r>
+          </a:p>
+        </p:txBody>
+      </p:sp>
+      <p:sp>
+        <p:nvSpPr>
+          <p:cNvPr id="8" name="TextBox 7">
+            <a:extLst>
+              <a:ext uri="{FF2B5EF4-FFF2-40B4-BE49-F238E27FC236}">
+                <a16:creationId xmlns:a16="http://schemas.microsoft.com/office/drawing/2014/main" id="{77AF33A9-3493-550A-E7B5-D8D82D56C1A6}"/>
+              </a:ext>
+            </a:extLst>
+          </p:cNvPr>
+          <p:cNvSpPr txBox="1"/>
+          <p:nvPr/>
+        </p:nvSpPr>
+        <p:spPr>
+          <a:xfrm>
+            <a:off x="2686354" y="3496477"/>
+            <a:ext cx="3771292" cy="369332"/>
+          </a:xfrm>
+          <a:prstGeom prst="rect">
+            <a:avLst/>
+          </a:prstGeom>
+          <a:noFill/>
+        </p:spPr>
+        <p:txBody>
+          <a:bodyPr wrap="square">
+            <a:spAutoFit/>
+          </a:bodyPr>
+          <a:lstStyle/>
+          <a:p>
+            <a:r>
+              <a:rPr lang="de-DE" dirty="0">
+                <a:hlinkClick r:id="rId2"/>
+              </a:rPr>
+              <a:t>https://bdcc.kreusselgruft.dns.army</a:t>
             </a:r>
             <a:endParaRPr lang="de-DE" dirty="0"/>
           </a:p>
@@ -7342,6 +8224,1257 @@
     <p:extLst>
       <p:ext uri="{BB962C8B-B14F-4D97-AF65-F5344CB8AC3E}">
         <p14:creationId xmlns:p14="http://schemas.microsoft.com/office/powerpoint/2010/main" val="415745372"/>
+      </p:ext>
+    </p:extLst>
+  </p:cSld>
+  <p:clrMapOvr>
+    <a:masterClrMapping/>
+  </p:clrMapOvr>
+</p:sld>
+</file>
+
+<file path=ppt/slides/slide7.xml><?xml version="1.0" encoding="utf-8"?>
+<p:sld xmlns:a="http://schemas.openxmlformats.org/drawingml/2006/main" xmlns:r="http://schemas.openxmlformats.org/officeDocument/2006/relationships" xmlns:p="http://schemas.openxmlformats.org/presentationml/2006/main">
+  <p:cSld>
+    <p:spTree>
+      <p:nvGrpSpPr>
+        <p:cNvPr id="1" name=""/>
+        <p:cNvGrpSpPr/>
+        <p:nvPr/>
+      </p:nvGrpSpPr>
+      <p:grpSpPr>
+        <a:xfrm>
+          <a:off x="0" y="0"/>
+          <a:ext cx="0" cy="0"/>
+          <a:chOff x="0" y="0"/>
+          <a:chExt cx="0" cy="0"/>
+        </a:xfrm>
+      </p:grpSpPr>
+      <p:sp>
+        <p:nvSpPr>
+          <p:cNvPr id="2" name="Titel 1">
+            <a:extLst>
+              <a:ext uri="{FF2B5EF4-FFF2-40B4-BE49-F238E27FC236}">
+                <a16:creationId xmlns:a16="http://schemas.microsoft.com/office/drawing/2014/main" id="{74D8A47A-1A55-44CE-A2AD-17EC386BDEBE}"/>
+              </a:ext>
+            </a:extLst>
+          </p:cNvPr>
+          <p:cNvSpPr>
+            <a:spLocks noGrp="1"/>
+          </p:cNvSpPr>
+          <p:nvPr>
+            <p:ph type="title"/>
+          </p:nvPr>
+        </p:nvSpPr>
+        <p:spPr/>
+        <p:txBody>
+          <a:bodyPr/>
+          <a:lstStyle/>
+          <a:p>
+            <a:r>
+              <a:rPr lang="en-DE" dirty="0" err="1"/>
+              <a:t>Anwendung</a:t>
+            </a:r>
+            <a:endParaRPr lang="de-DE" dirty="0"/>
+          </a:p>
+        </p:txBody>
+      </p:sp>
+      <p:sp>
+        <p:nvSpPr>
+          <p:cNvPr id="3" name="Foliennummernplatzhalter 2">
+            <a:extLst>
+              <a:ext uri="{FF2B5EF4-FFF2-40B4-BE49-F238E27FC236}">
+                <a16:creationId xmlns:a16="http://schemas.microsoft.com/office/drawing/2014/main" id="{62975FD5-F5B5-4706-880B-DBBCA2F9C27A}"/>
+              </a:ext>
+            </a:extLst>
+          </p:cNvPr>
+          <p:cNvSpPr>
+            <a:spLocks noGrp="1"/>
+          </p:cNvSpPr>
+          <p:nvPr>
+            <p:ph type="sldNum" sz="quarter" idx="4"/>
+          </p:nvPr>
+        </p:nvSpPr>
+        <p:spPr/>
+        <p:txBody>
+          <a:bodyPr/>
+          <a:lstStyle/>
+          <a:p>
+            <a:pPr algn="l"/>
+            <a:fld id="{58B5944C-422B-400C-ACEC-079F06A0E4F8}" type="slidenum">
+              <a:rPr lang="de-DE" smtClean="0"/>
+              <a:pPr algn="l"/>
+              <a:t>7</a:t>
+            </a:fld>
+            <a:endParaRPr lang="de-DE" dirty="0"/>
+          </a:p>
+        </p:txBody>
+      </p:sp>
+      <p:sp>
+        <p:nvSpPr>
+          <p:cNvPr id="4" name="Fußzeilenplatzhalter 3">
+            <a:extLst>
+              <a:ext uri="{FF2B5EF4-FFF2-40B4-BE49-F238E27FC236}">
+                <a16:creationId xmlns:a16="http://schemas.microsoft.com/office/drawing/2014/main" id="{B5883D3D-9B7D-4A33-90D9-66601485239B}"/>
+              </a:ext>
+            </a:extLst>
+          </p:cNvPr>
+          <p:cNvSpPr>
+            <a:spLocks noGrp="1"/>
+          </p:cNvSpPr>
+          <p:nvPr>
+            <p:ph type="ftr" sz="quarter" idx="3"/>
+          </p:nvPr>
+        </p:nvSpPr>
+        <p:spPr/>
+        <p:txBody>
+          <a:bodyPr/>
+          <a:lstStyle/>
+          <a:p>
+            <a:r>
+              <a:rPr lang="de-DE" b="0" i="0" dirty="0">
+                <a:effectLst/>
+                <a:latin typeface="Arial" panose="020B0604020202020204" pitchFamily="34" charset="0"/>
+              </a:rPr>
+              <a:t>Twitter-Dash</a:t>
+            </a:r>
+            <a:endParaRPr lang="de-DE" dirty="0">
+              <a:solidFill>
+                <a:schemeClr val="bg1"/>
+              </a:solidFill>
+            </a:endParaRPr>
+          </a:p>
+        </p:txBody>
+      </p:sp>
+      <p:sp>
+        <p:nvSpPr>
+          <p:cNvPr id="5" name="Datumsplatzhalter 4">
+            <a:extLst>
+              <a:ext uri="{FF2B5EF4-FFF2-40B4-BE49-F238E27FC236}">
+                <a16:creationId xmlns:a16="http://schemas.microsoft.com/office/drawing/2014/main" id="{4547C540-2968-4C45-944A-192AAAE5A34C}"/>
+              </a:ext>
+            </a:extLst>
+          </p:cNvPr>
+          <p:cNvSpPr>
+            <a:spLocks noGrp="1"/>
+          </p:cNvSpPr>
+          <p:nvPr>
+            <p:ph type="dt" sz="half" idx="2"/>
+          </p:nvPr>
+        </p:nvSpPr>
+        <p:spPr/>
+        <p:txBody>
+          <a:bodyPr/>
+          <a:lstStyle/>
+          <a:p>
+            <a:r>
+              <a:rPr lang="en-US" dirty="0"/>
+              <a:t>05.07.2022</a:t>
+            </a:r>
+            <a:endParaRPr lang="en-GB" dirty="0">
+              <a:solidFill>
+                <a:schemeClr val="bg1"/>
+              </a:solidFill>
+            </a:endParaRPr>
+          </a:p>
+        </p:txBody>
+      </p:sp>
+      <p:sp>
+        <p:nvSpPr>
+          <p:cNvPr id="9" name="Datumsplatzhalter 1">
+            <a:extLst>
+              <a:ext uri="{FF2B5EF4-FFF2-40B4-BE49-F238E27FC236}">
+                <a16:creationId xmlns:a16="http://schemas.microsoft.com/office/drawing/2014/main" id="{5C641C42-2AE8-4216-8895-DDFE3834FEEE}"/>
+              </a:ext>
+            </a:extLst>
+          </p:cNvPr>
+          <p:cNvSpPr txBox="1">
+            <a:spLocks/>
+          </p:cNvSpPr>
+          <p:nvPr/>
+        </p:nvSpPr>
+        <p:spPr>
+          <a:xfrm>
+            <a:off x="3563888" y="6513414"/>
+            <a:ext cx="2232248" cy="162000"/>
+          </a:xfrm>
+          <a:prstGeom prst="rect">
+            <a:avLst/>
+          </a:prstGeom>
+        </p:spPr>
+        <p:txBody>
+          <a:bodyPr vert="horz" wrap="none" lIns="91440" tIns="45720" rIns="91440" bIns="45720" rtlCol="0" anchor="ctr"/>
+          <a:lstStyle>
+            <a:defPPr>
+              <a:defRPr lang="de-DE"/>
+            </a:defPPr>
+            <a:lvl1pPr algn="l" rtl="0" fontAlgn="base">
+              <a:spcBef>
+                <a:spcPct val="0"/>
+              </a:spcBef>
+              <a:spcAft>
+                <a:spcPct val="0"/>
+              </a:spcAft>
+              <a:defRPr sz="900" b="0" kern="1200">
+                <a:solidFill>
+                  <a:schemeClr val="bg1"/>
+                </a:solidFill>
+                <a:latin typeface="+mn-lt"/>
+                <a:ea typeface="+mn-ea"/>
+                <a:cs typeface="+mn-cs"/>
+              </a:defRPr>
+            </a:lvl1pPr>
+            <a:lvl2pPr marL="457200" algn="l" rtl="0" fontAlgn="base">
+              <a:spcBef>
+                <a:spcPct val="0"/>
+              </a:spcBef>
+              <a:spcAft>
+                <a:spcPct val="0"/>
+              </a:spcAft>
+              <a:defRPr kern="1200">
+                <a:solidFill>
+                  <a:schemeClr val="tx1"/>
+                </a:solidFill>
+                <a:latin typeface="Arial" charset="0"/>
+                <a:ea typeface="+mn-ea"/>
+                <a:cs typeface="+mn-cs"/>
+              </a:defRPr>
+            </a:lvl2pPr>
+            <a:lvl3pPr marL="914400" algn="l" rtl="0" fontAlgn="base">
+              <a:spcBef>
+                <a:spcPct val="0"/>
+              </a:spcBef>
+              <a:spcAft>
+                <a:spcPct val="0"/>
+              </a:spcAft>
+              <a:defRPr kern="1200">
+                <a:solidFill>
+                  <a:schemeClr val="tx1"/>
+                </a:solidFill>
+                <a:latin typeface="Arial" charset="0"/>
+                <a:ea typeface="+mn-ea"/>
+                <a:cs typeface="+mn-cs"/>
+              </a:defRPr>
+            </a:lvl3pPr>
+            <a:lvl4pPr marL="1371600" algn="l" rtl="0" fontAlgn="base">
+              <a:spcBef>
+                <a:spcPct val="0"/>
+              </a:spcBef>
+              <a:spcAft>
+                <a:spcPct val="0"/>
+              </a:spcAft>
+              <a:defRPr kern="1200">
+                <a:solidFill>
+                  <a:schemeClr val="tx1"/>
+                </a:solidFill>
+                <a:latin typeface="Arial" charset="0"/>
+                <a:ea typeface="+mn-ea"/>
+                <a:cs typeface="+mn-cs"/>
+              </a:defRPr>
+            </a:lvl4pPr>
+            <a:lvl5pPr marL="1828800" algn="l" rtl="0" fontAlgn="base">
+              <a:spcBef>
+                <a:spcPct val="0"/>
+              </a:spcBef>
+              <a:spcAft>
+                <a:spcPct val="0"/>
+              </a:spcAft>
+              <a:defRPr kern="1200">
+                <a:solidFill>
+                  <a:schemeClr val="tx1"/>
+                </a:solidFill>
+                <a:latin typeface="Arial" charset="0"/>
+                <a:ea typeface="+mn-ea"/>
+                <a:cs typeface="+mn-cs"/>
+              </a:defRPr>
+            </a:lvl5pPr>
+            <a:lvl6pPr marL="2286000" algn="l" defTabSz="914400" rtl="0" eaLnBrk="1" latinLnBrk="0" hangingPunct="1">
+              <a:defRPr kern="1200">
+                <a:solidFill>
+                  <a:schemeClr val="tx1"/>
+                </a:solidFill>
+                <a:latin typeface="Arial" charset="0"/>
+                <a:ea typeface="+mn-ea"/>
+                <a:cs typeface="+mn-cs"/>
+              </a:defRPr>
+            </a:lvl6pPr>
+            <a:lvl7pPr marL="2743200" algn="l" defTabSz="914400" rtl="0" eaLnBrk="1" latinLnBrk="0" hangingPunct="1">
+              <a:defRPr kern="1200">
+                <a:solidFill>
+                  <a:schemeClr val="tx1"/>
+                </a:solidFill>
+                <a:latin typeface="Arial" charset="0"/>
+                <a:ea typeface="+mn-ea"/>
+                <a:cs typeface="+mn-cs"/>
+              </a:defRPr>
+            </a:lvl7pPr>
+            <a:lvl8pPr marL="3200400" algn="l" defTabSz="914400" rtl="0" eaLnBrk="1" latinLnBrk="0" hangingPunct="1">
+              <a:defRPr kern="1200">
+                <a:solidFill>
+                  <a:schemeClr val="tx1"/>
+                </a:solidFill>
+                <a:latin typeface="Arial" charset="0"/>
+                <a:ea typeface="+mn-ea"/>
+                <a:cs typeface="+mn-cs"/>
+              </a:defRPr>
+            </a:lvl8pPr>
+            <a:lvl9pPr marL="3657600" algn="l" defTabSz="914400" rtl="0" eaLnBrk="1" latinLnBrk="0" hangingPunct="1">
+              <a:defRPr kern="1200">
+                <a:solidFill>
+                  <a:schemeClr val="tx1"/>
+                </a:solidFill>
+                <a:latin typeface="Arial" charset="0"/>
+                <a:ea typeface="+mn-ea"/>
+                <a:cs typeface="+mn-cs"/>
+              </a:defRPr>
+            </a:lvl9pPr>
+          </a:lstStyle>
+          <a:p>
+            <a:r>
+              <a:rPr lang="de-DE" dirty="0"/>
+              <a:t>Hahn, Kleber, Klier, </a:t>
+            </a:r>
+            <a:r>
+              <a:rPr lang="de-DE" dirty="0" err="1"/>
+              <a:t>Kreussel</a:t>
+            </a:r>
+            <a:r>
+              <a:rPr lang="de-DE" dirty="0"/>
+              <a:t>, Paris, Ziegler</a:t>
+            </a:r>
+          </a:p>
+        </p:txBody>
+      </p:sp>
+      <p:pic>
+        <p:nvPicPr>
+          <p:cNvPr id="11" name="Picture 12">
+            <a:extLst>
+              <a:ext uri="{FF2B5EF4-FFF2-40B4-BE49-F238E27FC236}">
+                <a16:creationId xmlns:a16="http://schemas.microsoft.com/office/drawing/2014/main" id="{F6932190-7961-53F7-5402-EF003E5A4A9A}"/>
+              </a:ext>
+            </a:extLst>
+          </p:cNvPr>
+          <p:cNvPicPr>
+            <a:picLocks noChangeAspect="1" noChangeArrowheads="1"/>
+          </p:cNvPicPr>
+          <p:nvPr/>
+        </p:nvPicPr>
+        <p:blipFill>
+          <a:blip r:embed="rId2">
+            <a:extLst>
+              <a:ext uri="{28A0092B-C50C-407E-A947-70E740481C1C}">
+                <a14:useLocalDpi xmlns:a14="http://schemas.microsoft.com/office/drawing/2010/main" val="0"/>
+              </a:ext>
+            </a:extLst>
+          </a:blip>
+          <a:srcRect/>
+          <a:stretch>
+            <a:fillRect/>
+          </a:stretch>
+        </p:blipFill>
+        <p:spPr bwMode="auto">
+          <a:xfrm>
+            <a:off x="7524328" y="6096482"/>
+            <a:ext cx="1619672" cy="375374"/>
+          </a:xfrm>
+          <a:prstGeom prst="rect">
+            <a:avLst/>
+          </a:prstGeom>
+          <a:noFill/>
+          <a:extLst>
+            <a:ext uri="{909E8E84-426E-40DD-AFC4-6F175D3DCCD1}">
+              <a14:hiddenFill xmlns:a14="http://schemas.microsoft.com/office/drawing/2010/main">
+                <a:solidFill>
+                  <a:srgbClr val="FFFFFF"/>
+                </a:solidFill>
+              </a14:hiddenFill>
+            </a:ext>
+          </a:extLst>
+        </p:spPr>
+      </p:pic>
+      <p:pic>
+        <p:nvPicPr>
+          <p:cNvPr id="2056" name="Picture 8">
+            <a:extLst>
+              <a:ext uri="{FF2B5EF4-FFF2-40B4-BE49-F238E27FC236}">
+                <a16:creationId xmlns:a16="http://schemas.microsoft.com/office/drawing/2014/main" id="{733DF977-818E-05EA-254C-F3BC5E4B6BA6}"/>
+              </a:ext>
+            </a:extLst>
+          </p:cNvPr>
+          <p:cNvPicPr>
+            <a:picLocks noChangeAspect="1" noChangeArrowheads="1"/>
+          </p:cNvPicPr>
+          <p:nvPr/>
+        </p:nvPicPr>
+        <p:blipFill>
+          <a:blip r:embed="rId3">
+            <a:extLst>
+              <a:ext uri="{28A0092B-C50C-407E-A947-70E740481C1C}">
+                <a14:useLocalDpi xmlns:a14="http://schemas.microsoft.com/office/drawing/2010/main" val="0"/>
+              </a:ext>
+            </a:extLst>
+          </a:blip>
+          <a:srcRect/>
+          <a:stretch/>
+        </p:blipFill>
+        <p:spPr bwMode="auto">
+          <a:xfrm>
+            <a:off x="1229210" y="1067254"/>
+            <a:ext cx="6391461" cy="4895363"/>
+          </a:xfrm>
+          <a:prstGeom prst="rect">
+            <a:avLst/>
+          </a:prstGeom>
+          <a:noFill/>
+          <a:extLst>
+            <a:ext uri="{909E8E84-426E-40DD-AFC4-6F175D3DCCD1}">
+              <a14:hiddenFill xmlns:a14="http://schemas.microsoft.com/office/drawing/2010/main">
+                <a:solidFill>
+                  <a:srgbClr val="FFFFFF"/>
+                </a:solidFill>
+              </a14:hiddenFill>
+            </a:ext>
+          </a:extLst>
+        </p:spPr>
+      </p:pic>
+    </p:spTree>
+    <p:extLst>
+      <p:ext uri="{BB962C8B-B14F-4D97-AF65-F5344CB8AC3E}">
+        <p14:creationId xmlns:p14="http://schemas.microsoft.com/office/powerpoint/2010/main" val="1088793122"/>
+      </p:ext>
+    </p:extLst>
+  </p:cSld>
+  <p:clrMapOvr>
+    <a:masterClrMapping/>
+  </p:clrMapOvr>
+</p:sld>
+</file>
+
+<file path=ppt/slides/slide8.xml><?xml version="1.0" encoding="utf-8"?>
+<p:sld xmlns:a="http://schemas.openxmlformats.org/drawingml/2006/main" xmlns:r="http://schemas.openxmlformats.org/officeDocument/2006/relationships" xmlns:p="http://schemas.openxmlformats.org/presentationml/2006/main">
+  <p:cSld>
+    <p:spTree>
+      <p:nvGrpSpPr>
+        <p:cNvPr id="1" name=""/>
+        <p:cNvGrpSpPr/>
+        <p:nvPr/>
+      </p:nvGrpSpPr>
+      <p:grpSpPr>
+        <a:xfrm>
+          <a:off x="0" y="0"/>
+          <a:ext cx="0" cy="0"/>
+          <a:chOff x="0" y="0"/>
+          <a:chExt cx="0" cy="0"/>
+        </a:xfrm>
+      </p:grpSpPr>
+      <p:sp>
+        <p:nvSpPr>
+          <p:cNvPr id="2" name="Titel 1">
+            <a:extLst>
+              <a:ext uri="{FF2B5EF4-FFF2-40B4-BE49-F238E27FC236}">
+                <a16:creationId xmlns:a16="http://schemas.microsoft.com/office/drawing/2014/main" id="{74D8A47A-1A55-44CE-A2AD-17EC386BDEBE}"/>
+              </a:ext>
+            </a:extLst>
+          </p:cNvPr>
+          <p:cNvSpPr>
+            <a:spLocks noGrp="1"/>
+          </p:cNvSpPr>
+          <p:nvPr>
+            <p:ph type="title"/>
+          </p:nvPr>
+        </p:nvSpPr>
+        <p:spPr/>
+        <p:txBody>
+          <a:bodyPr/>
+          <a:lstStyle/>
+          <a:p>
+            <a:r>
+              <a:rPr lang="en-DE" dirty="0" err="1"/>
+              <a:t>Anwendung</a:t>
+            </a:r>
+            <a:endParaRPr lang="de-DE" dirty="0"/>
+          </a:p>
+        </p:txBody>
+      </p:sp>
+      <p:sp>
+        <p:nvSpPr>
+          <p:cNvPr id="3" name="Foliennummernplatzhalter 2">
+            <a:extLst>
+              <a:ext uri="{FF2B5EF4-FFF2-40B4-BE49-F238E27FC236}">
+                <a16:creationId xmlns:a16="http://schemas.microsoft.com/office/drawing/2014/main" id="{62975FD5-F5B5-4706-880B-DBBCA2F9C27A}"/>
+              </a:ext>
+            </a:extLst>
+          </p:cNvPr>
+          <p:cNvSpPr>
+            <a:spLocks noGrp="1"/>
+          </p:cNvSpPr>
+          <p:nvPr>
+            <p:ph type="sldNum" sz="quarter" idx="4"/>
+          </p:nvPr>
+        </p:nvSpPr>
+        <p:spPr/>
+        <p:txBody>
+          <a:bodyPr/>
+          <a:lstStyle/>
+          <a:p>
+            <a:pPr algn="l"/>
+            <a:fld id="{58B5944C-422B-400C-ACEC-079F06A0E4F8}" type="slidenum">
+              <a:rPr lang="de-DE" smtClean="0"/>
+              <a:pPr algn="l"/>
+              <a:t>8</a:t>
+            </a:fld>
+            <a:endParaRPr lang="de-DE" dirty="0"/>
+          </a:p>
+        </p:txBody>
+      </p:sp>
+      <p:sp>
+        <p:nvSpPr>
+          <p:cNvPr id="4" name="Fußzeilenplatzhalter 3">
+            <a:extLst>
+              <a:ext uri="{FF2B5EF4-FFF2-40B4-BE49-F238E27FC236}">
+                <a16:creationId xmlns:a16="http://schemas.microsoft.com/office/drawing/2014/main" id="{B5883D3D-9B7D-4A33-90D9-66601485239B}"/>
+              </a:ext>
+            </a:extLst>
+          </p:cNvPr>
+          <p:cNvSpPr>
+            <a:spLocks noGrp="1"/>
+          </p:cNvSpPr>
+          <p:nvPr>
+            <p:ph type="ftr" sz="quarter" idx="3"/>
+          </p:nvPr>
+        </p:nvSpPr>
+        <p:spPr/>
+        <p:txBody>
+          <a:bodyPr/>
+          <a:lstStyle/>
+          <a:p>
+            <a:r>
+              <a:rPr lang="de-DE" b="0" i="0" dirty="0">
+                <a:effectLst/>
+                <a:latin typeface="Arial" panose="020B0604020202020204" pitchFamily="34" charset="0"/>
+              </a:rPr>
+              <a:t>Twitter-Dash</a:t>
+            </a:r>
+            <a:endParaRPr lang="de-DE" dirty="0">
+              <a:solidFill>
+                <a:schemeClr val="bg1"/>
+              </a:solidFill>
+            </a:endParaRPr>
+          </a:p>
+        </p:txBody>
+      </p:sp>
+      <p:sp>
+        <p:nvSpPr>
+          <p:cNvPr id="5" name="Datumsplatzhalter 4">
+            <a:extLst>
+              <a:ext uri="{FF2B5EF4-FFF2-40B4-BE49-F238E27FC236}">
+                <a16:creationId xmlns:a16="http://schemas.microsoft.com/office/drawing/2014/main" id="{4547C540-2968-4C45-944A-192AAAE5A34C}"/>
+              </a:ext>
+            </a:extLst>
+          </p:cNvPr>
+          <p:cNvSpPr>
+            <a:spLocks noGrp="1"/>
+          </p:cNvSpPr>
+          <p:nvPr>
+            <p:ph type="dt" sz="half" idx="2"/>
+          </p:nvPr>
+        </p:nvSpPr>
+        <p:spPr/>
+        <p:txBody>
+          <a:bodyPr/>
+          <a:lstStyle/>
+          <a:p>
+            <a:r>
+              <a:rPr lang="en-US" dirty="0"/>
+              <a:t>05.07.2022</a:t>
+            </a:r>
+            <a:endParaRPr lang="en-GB" dirty="0">
+              <a:solidFill>
+                <a:schemeClr val="bg1"/>
+              </a:solidFill>
+            </a:endParaRPr>
+          </a:p>
+        </p:txBody>
+      </p:sp>
+      <p:sp>
+        <p:nvSpPr>
+          <p:cNvPr id="9" name="Datumsplatzhalter 1">
+            <a:extLst>
+              <a:ext uri="{FF2B5EF4-FFF2-40B4-BE49-F238E27FC236}">
+                <a16:creationId xmlns:a16="http://schemas.microsoft.com/office/drawing/2014/main" id="{5C641C42-2AE8-4216-8895-DDFE3834FEEE}"/>
+              </a:ext>
+            </a:extLst>
+          </p:cNvPr>
+          <p:cNvSpPr txBox="1">
+            <a:spLocks/>
+          </p:cNvSpPr>
+          <p:nvPr/>
+        </p:nvSpPr>
+        <p:spPr>
+          <a:xfrm>
+            <a:off x="3563888" y="6513414"/>
+            <a:ext cx="2232248" cy="162000"/>
+          </a:xfrm>
+          <a:prstGeom prst="rect">
+            <a:avLst/>
+          </a:prstGeom>
+        </p:spPr>
+        <p:txBody>
+          <a:bodyPr vert="horz" wrap="none" lIns="91440" tIns="45720" rIns="91440" bIns="45720" rtlCol="0" anchor="ctr"/>
+          <a:lstStyle>
+            <a:defPPr>
+              <a:defRPr lang="de-DE"/>
+            </a:defPPr>
+            <a:lvl1pPr algn="l" rtl="0" fontAlgn="base">
+              <a:spcBef>
+                <a:spcPct val="0"/>
+              </a:spcBef>
+              <a:spcAft>
+                <a:spcPct val="0"/>
+              </a:spcAft>
+              <a:defRPr sz="900" b="0" kern="1200">
+                <a:solidFill>
+                  <a:schemeClr val="bg1"/>
+                </a:solidFill>
+                <a:latin typeface="+mn-lt"/>
+                <a:ea typeface="+mn-ea"/>
+                <a:cs typeface="+mn-cs"/>
+              </a:defRPr>
+            </a:lvl1pPr>
+            <a:lvl2pPr marL="457200" algn="l" rtl="0" fontAlgn="base">
+              <a:spcBef>
+                <a:spcPct val="0"/>
+              </a:spcBef>
+              <a:spcAft>
+                <a:spcPct val="0"/>
+              </a:spcAft>
+              <a:defRPr kern="1200">
+                <a:solidFill>
+                  <a:schemeClr val="tx1"/>
+                </a:solidFill>
+                <a:latin typeface="Arial" charset="0"/>
+                <a:ea typeface="+mn-ea"/>
+                <a:cs typeface="+mn-cs"/>
+              </a:defRPr>
+            </a:lvl2pPr>
+            <a:lvl3pPr marL="914400" algn="l" rtl="0" fontAlgn="base">
+              <a:spcBef>
+                <a:spcPct val="0"/>
+              </a:spcBef>
+              <a:spcAft>
+                <a:spcPct val="0"/>
+              </a:spcAft>
+              <a:defRPr kern="1200">
+                <a:solidFill>
+                  <a:schemeClr val="tx1"/>
+                </a:solidFill>
+                <a:latin typeface="Arial" charset="0"/>
+                <a:ea typeface="+mn-ea"/>
+                <a:cs typeface="+mn-cs"/>
+              </a:defRPr>
+            </a:lvl3pPr>
+            <a:lvl4pPr marL="1371600" algn="l" rtl="0" fontAlgn="base">
+              <a:spcBef>
+                <a:spcPct val="0"/>
+              </a:spcBef>
+              <a:spcAft>
+                <a:spcPct val="0"/>
+              </a:spcAft>
+              <a:defRPr kern="1200">
+                <a:solidFill>
+                  <a:schemeClr val="tx1"/>
+                </a:solidFill>
+                <a:latin typeface="Arial" charset="0"/>
+                <a:ea typeface="+mn-ea"/>
+                <a:cs typeface="+mn-cs"/>
+              </a:defRPr>
+            </a:lvl4pPr>
+            <a:lvl5pPr marL="1828800" algn="l" rtl="0" fontAlgn="base">
+              <a:spcBef>
+                <a:spcPct val="0"/>
+              </a:spcBef>
+              <a:spcAft>
+                <a:spcPct val="0"/>
+              </a:spcAft>
+              <a:defRPr kern="1200">
+                <a:solidFill>
+                  <a:schemeClr val="tx1"/>
+                </a:solidFill>
+                <a:latin typeface="Arial" charset="0"/>
+                <a:ea typeface="+mn-ea"/>
+                <a:cs typeface="+mn-cs"/>
+              </a:defRPr>
+            </a:lvl5pPr>
+            <a:lvl6pPr marL="2286000" algn="l" defTabSz="914400" rtl="0" eaLnBrk="1" latinLnBrk="0" hangingPunct="1">
+              <a:defRPr kern="1200">
+                <a:solidFill>
+                  <a:schemeClr val="tx1"/>
+                </a:solidFill>
+                <a:latin typeface="Arial" charset="0"/>
+                <a:ea typeface="+mn-ea"/>
+                <a:cs typeface="+mn-cs"/>
+              </a:defRPr>
+            </a:lvl6pPr>
+            <a:lvl7pPr marL="2743200" algn="l" defTabSz="914400" rtl="0" eaLnBrk="1" latinLnBrk="0" hangingPunct="1">
+              <a:defRPr kern="1200">
+                <a:solidFill>
+                  <a:schemeClr val="tx1"/>
+                </a:solidFill>
+                <a:latin typeface="Arial" charset="0"/>
+                <a:ea typeface="+mn-ea"/>
+                <a:cs typeface="+mn-cs"/>
+              </a:defRPr>
+            </a:lvl7pPr>
+            <a:lvl8pPr marL="3200400" algn="l" defTabSz="914400" rtl="0" eaLnBrk="1" latinLnBrk="0" hangingPunct="1">
+              <a:defRPr kern="1200">
+                <a:solidFill>
+                  <a:schemeClr val="tx1"/>
+                </a:solidFill>
+                <a:latin typeface="Arial" charset="0"/>
+                <a:ea typeface="+mn-ea"/>
+                <a:cs typeface="+mn-cs"/>
+              </a:defRPr>
+            </a:lvl8pPr>
+            <a:lvl9pPr marL="3657600" algn="l" defTabSz="914400" rtl="0" eaLnBrk="1" latinLnBrk="0" hangingPunct="1">
+              <a:defRPr kern="1200">
+                <a:solidFill>
+                  <a:schemeClr val="tx1"/>
+                </a:solidFill>
+                <a:latin typeface="Arial" charset="0"/>
+                <a:ea typeface="+mn-ea"/>
+                <a:cs typeface="+mn-cs"/>
+              </a:defRPr>
+            </a:lvl9pPr>
+          </a:lstStyle>
+          <a:p>
+            <a:r>
+              <a:rPr lang="de-DE" dirty="0"/>
+              <a:t>Hahn, Kleber, Klier, </a:t>
+            </a:r>
+            <a:r>
+              <a:rPr lang="de-DE" dirty="0" err="1"/>
+              <a:t>Kreussel</a:t>
+            </a:r>
+            <a:r>
+              <a:rPr lang="de-DE" dirty="0"/>
+              <a:t>, Paris, Ziegler</a:t>
+            </a:r>
+          </a:p>
+        </p:txBody>
+      </p:sp>
+      <p:pic>
+        <p:nvPicPr>
+          <p:cNvPr id="11" name="Picture 12">
+            <a:extLst>
+              <a:ext uri="{FF2B5EF4-FFF2-40B4-BE49-F238E27FC236}">
+                <a16:creationId xmlns:a16="http://schemas.microsoft.com/office/drawing/2014/main" id="{F6932190-7961-53F7-5402-EF003E5A4A9A}"/>
+              </a:ext>
+            </a:extLst>
+          </p:cNvPr>
+          <p:cNvPicPr>
+            <a:picLocks noChangeAspect="1" noChangeArrowheads="1"/>
+          </p:cNvPicPr>
+          <p:nvPr/>
+        </p:nvPicPr>
+        <p:blipFill>
+          <a:blip r:embed="rId2">
+            <a:extLst>
+              <a:ext uri="{28A0092B-C50C-407E-A947-70E740481C1C}">
+                <a14:useLocalDpi xmlns:a14="http://schemas.microsoft.com/office/drawing/2010/main" val="0"/>
+              </a:ext>
+            </a:extLst>
+          </a:blip>
+          <a:srcRect/>
+          <a:stretch>
+            <a:fillRect/>
+          </a:stretch>
+        </p:blipFill>
+        <p:spPr bwMode="auto">
+          <a:xfrm>
+            <a:off x="7524328" y="6096482"/>
+            <a:ext cx="1619672" cy="375374"/>
+          </a:xfrm>
+          <a:prstGeom prst="rect">
+            <a:avLst/>
+          </a:prstGeom>
+          <a:noFill/>
+          <a:extLst>
+            <a:ext uri="{909E8E84-426E-40DD-AFC4-6F175D3DCCD1}">
+              <a14:hiddenFill xmlns:a14="http://schemas.microsoft.com/office/drawing/2010/main">
+                <a:solidFill>
+                  <a:srgbClr val="FFFFFF"/>
+                </a:solidFill>
+              </a14:hiddenFill>
+            </a:ext>
+          </a:extLst>
+        </p:spPr>
+      </p:pic>
+      <p:pic>
+        <p:nvPicPr>
+          <p:cNvPr id="2056" name="Picture 8">
+            <a:extLst>
+              <a:ext uri="{FF2B5EF4-FFF2-40B4-BE49-F238E27FC236}">
+                <a16:creationId xmlns:a16="http://schemas.microsoft.com/office/drawing/2014/main" id="{733DF977-818E-05EA-254C-F3BC5E4B6BA6}"/>
+              </a:ext>
+            </a:extLst>
+          </p:cNvPr>
+          <p:cNvPicPr>
+            <a:picLocks noChangeAspect="1" noChangeArrowheads="1"/>
+          </p:cNvPicPr>
+          <p:nvPr/>
+        </p:nvPicPr>
+        <p:blipFill>
+          <a:blip r:embed="rId3">
+            <a:extLst>
+              <a:ext uri="{28A0092B-C50C-407E-A947-70E740481C1C}">
+                <a14:useLocalDpi xmlns:a14="http://schemas.microsoft.com/office/drawing/2010/main" val="0"/>
+              </a:ext>
+            </a:extLst>
+          </a:blip>
+          <a:srcRect/>
+          <a:stretch/>
+        </p:blipFill>
+        <p:spPr bwMode="auto">
+          <a:xfrm>
+            <a:off x="708643" y="1852461"/>
+            <a:ext cx="7432595" cy="3324948"/>
+          </a:xfrm>
+          <a:prstGeom prst="rect">
+            <a:avLst/>
+          </a:prstGeom>
+          <a:noFill/>
+          <a:extLst>
+            <a:ext uri="{909E8E84-426E-40DD-AFC4-6F175D3DCCD1}">
+              <a14:hiddenFill xmlns:a14="http://schemas.microsoft.com/office/drawing/2010/main">
+                <a:solidFill>
+                  <a:srgbClr val="FFFFFF"/>
+                </a:solidFill>
+              </a14:hiddenFill>
+            </a:ext>
+          </a:extLst>
+        </p:spPr>
+      </p:pic>
+    </p:spTree>
+    <p:extLst>
+      <p:ext uri="{BB962C8B-B14F-4D97-AF65-F5344CB8AC3E}">
+        <p14:creationId xmlns:p14="http://schemas.microsoft.com/office/powerpoint/2010/main" val="1016354415"/>
+      </p:ext>
+    </p:extLst>
+  </p:cSld>
+  <p:clrMapOvr>
+    <a:masterClrMapping/>
+  </p:clrMapOvr>
+</p:sld>
+</file>
+
+<file path=ppt/slides/slide9.xml><?xml version="1.0" encoding="utf-8"?>
+<p:sld xmlns:a="http://schemas.openxmlformats.org/drawingml/2006/main" xmlns:r="http://schemas.openxmlformats.org/officeDocument/2006/relationships" xmlns:p="http://schemas.openxmlformats.org/presentationml/2006/main">
+  <p:cSld>
+    <p:spTree>
+      <p:nvGrpSpPr>
+        <p:cNvPr id="1" name=""/>
+        <p:cNvGrpSpPr/>
+        <p:nvPr/>
+      </p:nvGrpSpPr>
+      <p:grpSpPr>
+        <a:xfrm>
+          <a:off x="0" y="0"/>
+          <a:ext cx="0" cy="0"/>
+          <a:chOff x="0" y="0"/>
+          <a:chExt cx="0" cy="0"/>
+        </a:xfrm>
+      </p:grpSpPr>
+      <p:sp>
+        <p:nvSpPr>
+          <p:cNvPr id="2" name="Titel 1">
+            <a:extLst>
+              <a:ext uri="{FF2B5EF4-FFF2-40B4-BE49-F238E27FC236}">
+                <a16:creationId xmlns:a16="http://schemas.microsoft.com/office/drawing/2014/main" id="{74D8A47A-1A55-44CE-A2AD-17EC386BDEBE}"/>
+              </a:ext>
+            </a:extLst>
+          </p:cNvPr>
+          <p:cNvSpPr>
+            <a:spLocks noGrp="1"/>
+          </p:cNvSpPr>
+          <p:nvPr>
+            <p:ph type="title"/>
+          </p:nvPr>
+        </p:nvSpPr>
+        <p:spPr/>
+        <p:txBody>
+          <a:bodyPr/>
+          <a:lstStyle/>
+          <a:p>
+            <a:r>
+              <a:rPr lang="en-DE" dirty="0" err="1"/>
+              <a:t>Anwendung</a:t>
+            </a:r>
+            <a:endParaRPr lang="de-DE" dirty="0"/>
+          </a:p>
+        </p:txBody>
+      </p:sp>
+      <p:sp>
+        <p:nvSpPr>
+          <p:cNvPr id="3" name="Foliennummernplatzhalter 2">
+            <a:extLst>
+              <a:ext uri="{FF2B5EF4-FFF2-40B4-BE49-F238E27FC236}">
+                <a16:creationId xmlns:a16="http://schemas.microsoft.com/office/drawing/2014/main" id="{62975FD5-F5B5-4706-880B-DBBCA2F9C27A}"/>
+              </a:ext>
+            </a:extLst>
+          </p:cNvPr>
+          <p:cNvSpPr>
+            <a:spLocks noGrp="1"/>
+          </p:cNvSpPr>
+          <p:nvPr>
+            <p:ph type="sldNum" sz="quarter" idx="4"/>
+          </p:nvPr>
+        </p:nvSpPr>
+        <p:spPr/>
+        <p:txBody>
+          <a:bodyPr/>
+          <a:lstStyle/>
+          <a:p>
+            <a:pPr algn="l"/>
+            <a:fld id="{58B5944C-422B-400C-ACEC-079F06A0E4F8}" type="slidenum">
+              <a:rPr lang="de-DE" smtClean="0"/>
+              <a:pPr algn="l"/>
+              <a:t>9</a:t>
+            </a:fld>
+            <a:endParaRPr lang="de-DE" dirty="0"/>
+          </a:p>
+        </p:txBody>
+      </p:sp>
+      <p:sp>
+        <p:nvSpPr>
+          <p:cNvPr id="4" name="Fußzeilenplatzhalter 3">
+            <a:extLst>
+              <a:ext uri="{FF2B5EF4-FFF2-40B4-BE49-F238E27FC236}">
+                <a16:creationId xmlns:a16="http://schemas.microsoft.com/office/drawing/2014/main" id="{B5883D3D-9B7D-4A33-90D9-66601485239B}"/>
+              </a:ext>
+            </a:extLst>
+          </p:cNvPr>
+          <p:cNvSpPr>
+            <a:spLocks noGrp="1"/>
+          </p:cNvSpPr>
+          <p:nvPr>
+            <p:ph type="ftr" sz="quarter" idx="3"/>
+          </p:nvPr>
+        </p:nvSpPr>
+        <p:spPr/>
+        <p:txBody>
+          <a:bodyPr/>
+          <a:lstStyle/>
+          <a:p>
+            <a:r>
+              <a:rPr lang="de-DE" b="0" i="0" dirty="0">
+                <a:effectLst/>
+                <a:latin typeface="Arial" panose="020B0604020202020204" pitchFamily="34" charset="0"/>
+              </a:rPr>
+              <a:t>Twitter-Dash</a:t>
+            </a:r>
+            <a:endParaRPr lang="de-DE" dirty="0">
+              <a:solidFill>
+                <a:schemeClr val="bg1"/>
+              </a:solidFill>
+            </a:endParaRPr>
+          </a:p>
+        </p:txBody>
+      </p:sp>
+      <p:sp>
+        <p:nvSpPr>
+          <p:cNvPr id="5" name="Datumsplatzhalter 4">
+            <a:extLst>
+              <a:ext uri="{FF2B5EF4-FFF2-40B4-BE49-F238E27FC236}">
+                <a16:creationId xmlns:a16="http://schemas.microsoft.com/office/drawing/2014/main" id="{4547C540-2968-4C45-944A-192AAAE5A34C}"/>
+              </a:ext>
+            </a:extLst>
+          </p:cNvPr>
+          <p:cNvSpPr>
+            <a:spLocks noGrp="1"/>
+          </p:cNvSpPr>
+          <p:nvPr>
+            <p:ph type="dt" sz="half" idx="2"/>
+          </p:nvPr>
+        </p:nvSpPr>
+        <p:spPr/>
+        <p:txBody>
+          <a:bodyPr/>
+          <a:lstStyle/>
+          <a:p>
+            <a:r>
+              <a:rPr lang="en-US" dirty="0"/>
+              <a:t>05.07.2022</a:t>
+            </a:r>
+            <a:endParaRPr lang="en-GB" dirty="0">
+              <a:solidFill>
+                <a:schemeClr val="bg1"/>
+              </a:solidFill>
+            </a:endParaRPr>
+          </a:p>
+        </p:txBody>
+      </p:sp>
+      <p:sp>
+        <p:nvSpPr>
+          <p:cNvPr id="9" name="Datumsplatzhalter 1">
+            <a:extLst>
+              <a:ext uri="{FF2B5EF4-FFF2-40B4-BE49-F238E27FC236}">
+                <a16:creationId xmlns:a16="http://schemas.microsoft.com/office/drawing/2014/main" id="{5C641C42-2AE8-4216-8895-DDFE3834FEEE}"/>
+              </a:ext>
+            </a:extLst>
+          </p:cNvPr>
+          <p:cNvSpPr txBox="1">
+            <a:spLocks/>
+          </p:cNvSpPr>
+          <p:nvPr/>
+        </p:nvSpPr>
+        <p:spPr>
+          <a:xfrm>
+            <a:off x="3563888" y="6513414"/>
+            <a:ext cx="2232248" cy="162000"/>
+          </a:xfrm>
+          <a:prstGeom prst="rect">
+            <a:avLst/>
+          </a:prstGeom>
+        </p:spPr>
+        <p:txBody>
+          <a:bodyPr vert="horz" wrap="none" lIns="91440" tIns="45720" rIns="91440" bIns="45720" rtlCol="0" anchor="ctr"/>
+          <a:lstStyle>
+            <a:defPPr>
+              <a:defRPr lang="de-DE"/>
+            </a:defPPr>
+            <a:lvl1pPr algn="l" rtl="0" fontAlgn="base">
+              <a:spcBef>
+                <a:spcPct val="0"/>
+              </a:spcBef>
+              <a:spcAft>
+                <a:spcPct val="0"/>
+              </a:spcAft>
+              <a:defRPr sz="900" b="0" kern="1200">
+                <a:solidFill>
+                  <a:schemeClr val="bg1"/>
+                </a:solidFill>
+                <a:latin typeface="+mn-lt"/>
+                <a:ea typeface="+mn-ea"/>
+                <a:cs typeface="+mn-cs"/>
+              </a:defRPr>
+            </a:lvl1pPr>
+            <a:lvl2pPr marL="457200" algn="l" rtl="0" fontAlgn="base">
+              <a:spcBef>
+                <a:spcPct val="0"/>
+              </a:spcBef>
+              <a:spcAft>
+                <a:spcPct val="0"/>
+              </a:spcAft>
+              <a:defRPr kern="1200">
+                <a:solidFill>
+                  <a:schemeClr val="tx1"/>
+                </a:solidFill>
+                <a:latin typeface="Arial" charset="0"/>
+                <a:ea typeface="+mn-ea"/>
+                <a:cs typeface="+mn-cs"/>
+              </a:defRPr>
+            </a:lvl2pPr>
+            <a:lvl3pPr marL="914400" algn="l" rtl="0" fontAlgn="base">
+              <a:spcBef>
+                <a:spcPct val="0"/>
+              </a:spcBef>
+              <a:spcAft>
+                <a:spcPct val="0"/>
+              </a:spcAft>
+              <a:defRPr kern="1200">
+                <a:solidFill>
+                  <a:schemeClr val="tx1"/>
+                </a:solidFill>
+                <a:latin typeface="Arial" charset="0"/>
+                <a:ea typeface="+mn-ea"/>
+                <a:cs typeface="+mn-cs"/>
+              </a:defRPr>
+            </a:lvl3pPr>
+            <a:lvl4pPr marL="1371600" algn="l" rtl="0" fontAlgn="base">
+              <a:spcBef>
+                <a:spcPct val="0"/>
+              </a:spcBef>
+              <a:spcAft>
+                <a:spcPct val="0"/>
+              </a:spcAft>
+              <a:defRPr kern="1200">
+                <a:solidFill>
+                  <a:schemeClr val="tx1"/>
+                </a:solidFill>
+                <a:latin typeface="Arial" charset="0"/>
+                <a:ea typeface="+mn-ea"/>
+                <a:cs typeface="+mn-cs"/>
+              </a:defRPr>
+            </a:lvl4pPr>
+            <a:lvl5pPr marL="1828800" algn="l" rtl="0" fontAlgn="base">
+              <a:spcBef>
+                <a:spcPct val="0"/>
+              </a:spcBef>
+              <a:spcAft>
+                <a:spcPct val="0"/>
+              </a:spcAft>
+              <a:defRPr kern="1200">
+                <a:solidFill>
+                  <a:schemeClr val="tx1"/>
+                </a:solidFill>
+                <a:latin typeface="Arial" charset="0"/>
+                <a:ea typeface="+mn-ea"/>
+                <a:cs typeface="+mn-cs"/>
+              </a:defRPr>
+            </a:lvl5pPr>
+            <a:lvl6pPr marL="2286000" algn="l" defTabSz="914400" rtl="0" eaLnBrk="1" latinLnBrk="0" hangingPunct="1">
+              <a:defRPr kern="1200">
+                <a:solidFill>
+                  <a:schemeClr val="tx1"/>
+                </a:solidFill>
+                <a:latin typeface="Arial" charset="0"/>
+                <a:ea typeface="+mn-ea"/>
+                <a:cs typeface="+mn-cs"/>
+              </a:defRPr>
+            </a:lvl6pPr>
+            <a:lvl7pPr marL="2743200" algn="l" defTabSz="914400" rtl="0" eaLnBrk="1" latinLnBrk="0" hangingPunct="1">
+              <a:defRPr kern="1200">
+                <a:solidFill>
+                  <a:schemeClr val="tx1"/>
+                </a:solidFill>
+                <a:latin typeface="Arial" charset="0"/>
+                <a:ea typeface="+mn-ea"/>
+                <a:cs typeface="+mn-cs"/>
+              </a:defRPr>
+            </a:lvl7pPr>
+            <a:lvl8pPr marL="3200400" algn="l" defTabSz="914400" rtl="0" eaLnBrk="1" latinLnBrk="0" hangingPunct="1">
+              <a:defRPr kern="1200">
+                <a:solidFill>
+                  <a:schemeClr val="tx1"/>
+                </a:solidFill>
+                <a:latin typeface="Arial" charset="0"/>
+                <a:ea typeface="+mn-ea"/>
+                <a:cs typeface="+mn-cs"/>
+              </a:defRPr>
+            </a:lvl8pPr>
+            <a:lvl9pPr marL="3657600" algn="l" defTabSz="914400" rtl="0" eaLnBrk="1" latinLnBrk="0" hangingPunct="1">
+              <a:defRPr kern="1200">
+                <a:solidFill>
+                  <a:schemeClr val="tx1"/>
+                </a:solidFill>
+                <a:latin typeface="Arial" charset="0"/>
+                <a:ea typeface="+mn-ea"/>
+                <a:cs typeface="+mn-cs"/>
+              </a:defRPr>
+            </a:lvl9pPr>
+          </a:lstStyle>
+          <a:p>
+            <a:r>
+              <a:rPr lang="de-DE" dirty="0"/>
+              <a:t>Hahn, Kleber, Klier, </a:t>
+            </a:r>
+            <a:r>
+              <a:rPr lang="de-DE" dirty="0" err="1"/>
+              <a:t>Kreussel</a:t>
+            </a:r>
+            <a:r>
+              <a:rPr lang="de-DE" dirty="0"/>
+              <a:t>, Paris, Ziegler</a:t>
+            </a:r>
+          </a:p>
+        </p:txBody>
+      </p:sp>
+      <p:pic>
+        <p:nvPicPr>
+          <p:cNvPr id="11" name="Picture 12">
+            <a:extLst>
+              <a:ext uri="{FF2B5EF4-FFF2-40B4-BE49-F238E27FC236}">
+                <a16:creationId xmlns:a16="http://schemas.microsoft.com/office/drawing/2014/main" id="{F6932190-7961-53F7-5402-EF003E5A4A9A}"/>
+              </a:ext>
+            </a:extLst>
+          </p:cNvPr>
+          <p:cNvPicPr>
+            <a:picLocks noChangeAspect="1" noChangeArrowheads="1"/>
+          </p:cNvPicPr>
+          <p:nvPr/>
+        </p:nvPicPr>
+        <p:blipFill>
+          <a:blip r:embed="rId2">
+            <a:extLst>
+              <a:ext uri="{28A0092B-C50C-407E-A947-70E740481C1C}">
+                <a14:useLocalDpi xmlns:a14="http://schemas.microsoft.com/office/drawing/2010/main" val="0"/>
+              </a:ext>
+            </a:extLst>
+          </a:blip>
+          <a:srcRect/>
+          <a:stretch>
+            <a:fillRect/>
+          </a:stretch>
+        </p:blipFill>
+        <p:spPr bwMode="auto">
+          <a:xfrm>
+            <a:off x="7524328" y="6096482"/>
+            <a:ext cx="1619672" cy="375374"/>
+          </a:xfrm>
+          <a:prstGeom prst="rect">
+            <a:avLst/>
+          </a:prstGeom>
+          <a:noFill/>
+          <a:extLst>
+            <a:ext uri="{909E8E84-426E-40DD-AFC4-6F175D3DCCD1}">
+              <a14:hiddenFill xmlns:a14="http://schemas.microsoft.com/office/drawing/2010/main">
+                <a:solidFill>
+                  <a:srgbClr val="FFFFFF"/>
+                </a:solidFill>
+              </a14:hiddenFill>
+            </a:ext>
+          </a:extLst>
+        </p:spPr>
+      </p:pic>
+      <p:pic>
+        <p:nvPicPr>
+          <p:cNvPr id="2056" name="Picture 8">
+            <a:extLst>
+              <a:ext uri="{FF2B5EF4-FFF2-40B4-BE49-F238E27FC236}">
+                <a16:creationId xmlns:a16="http://schemas.microsoft.com/office/drawing/2014/main" id="{733DF977-818E-05EA-254C-F3BC5E4B6BA6}"/>
+              </a:ext>
+            </a:extLst>
+          </p:cNvPr>
+          <p:cNvPicPr>
+            <a:picLocks noChangeAspect="1" noChangeArrowheads="1"/>
+          </p:cNvPicPr>
+          <p:nvPr/>
+        </p:nvPicPr>
+        <p:blipFill>
+          <a:blip r:embed="rId3">
+            <a:extLst>
+              <a:ext uri="{28A0092B-C50C-407E-A947-70E740481C1C}">
+                <a14:useLocalDpi xmlns:a14="http://schemas.microsoft.com/office/drawing/2010/main" val="0"/>
+              </a:ext>
+            </a:extLst>
+          </a:blip>
+          <a:srcRect/>
+          <a:stretch/>
+        </p:blipFill>
+        <p:spPr bwMode="auto">
+          <a:xfrm>
+            <a:off x="708643" y="1015266"/>
+            <a:ext cx="7432595" cy="4999340"/>
+          </a:xfrm>
+          <a:prstGeom prst="rect">
+            <a:avLst/>
+          </a:prstGeom>
+          <a:noFill/>
+          <a:extLst>
+            <a:ext uri="{909E8E84-426E-40DD-AFC4-6F175D3DCCD1}">
+              <a14:hiddenFill xmlns:a14="http://schemas.microsoft.com/office/drawing/2010/main">
+                <a:solidFill>
+                  <a:srgbClr val="FFFFFF"/>
+                </a:solidFill>
+              </a14:hiddenFill>
+            </a:ext>
+          </a:extLst>
+        </p:spPr>
+      </p:pic>
+    </p:spTree>
+    <p:extLst>
+      <p:ext uri="{BB962C8B-B14F-4D97-AF65-F5344CB8AC3E}">
+        <p14:creationId xmlns:p14="http://schemas.microsoft.com/office/powerpoint/2010/main" val="919117213"/>
       </p:ext>
     </p:extLst>
   </p:cSld>
